--- a/reference_material/slides/003_loops.pptx
+++ b/reference_material/slides/003_loops.pptx
@@ -7,16 +7,24 @@
   <p:sldIdLst>
     <p:sldId id="256" r:id="rId2"/>
     <p:sldId id="267" r:id="rId3"/>
-    <p:sldId id="257" r:id="rId4"/>
-    <p:sldId id="258" r:id="rId5"/>
-    <p:sldId id="259" r:id="rId6"/>
-    <p:sldId id="260" r:id="rId7"/>
-    <p:sldId id="261" r:id="rId8"/>
-    <p:sldId id="262" r:id="rId9"/>
-    <p:sldId id="266" r:id="rId10"/>
-    <p:sldId id="263" r:id="rId11"/>
-    <p:sldId id="264" r:id="rId12"/>
-    <p:sldId id="265" r:id="rId13"/>
+    <p:sldId id="271" r:id="rId4"/>
+    <p:sldId id="269" r:id="rId5"/>
+    <p:sldId id="270" r:id="rId6"/>
+    <p:sldId id="272" r:id="rId7"/>
+    <p:sldId id="273" r:id="rId8"/>
+    <p:sldId id="257" r:id="rId9"/>
+    <p:sldId id="268" r:id="rId10"/>
+    <p:sldId id="258" r:id="rId11"/>
+    <p:sldId id="259" r:id="rId12"/>
+    <p:sldId id="260" r:id="rId13"/>
+    <p:sldId id="261" r:id="rId14"/>
+    <p:sldId id="262" r:id="rId15"/>
+    <p:sldId id="266" r:id="rId16"/>
+    <p:sldId id="274" r:id="rId17"/>
+    <p:sldId id="263" r:id="rId18"/>
+    <p:sldId id="264" r:id="rId19"/>
+    <p:sldId id="265" r:id="rId20"/>
+    <p:sldId id="275" r:id="rId21"/>
   </p:sldIdLst>
   <p:sldSz cx="12192000" cy="6858000"/>
   <p:notesSz cx="6858000" cy="9144000"/>
@@ -262,7 +270,7 @@
           <a:p>
             <a:fld id="{55115553-BA6D-E449-B244-9E82488F93BF}" type="datetimeFigureOut">
               <a:rPr lang="en-US" smtClean="0"/>
-              <a:t>9/13/23</a:t>
+              <a:t>9/6/24</a:t>
             </a:fld>
             <a:endParaRPr lang="en-US"/>
           </a:p>
@@ -473,7 +481,7 @@
           <a:p>
             <a:fld id="{55115553-BA6D-E449-B244-9E82488F93BF}" type="datetimeFigureOut">
               <a:rPr lang="en-US" smtClean="0"/>
-              <a:t>9/13/23</a:t>
+              <a:t>9/6/24</a:t>
             </a:fld>
             <a:endParaRPr lang="en-US"/>
           </a:p>
@@ -688,7 +696,7 @@
           <a:p>
             <a:fld id="{55115553-BA6D-E449-B244-9E82488F93BF}" type="datetimeFigureOut">
               <a:rPr lang="en-US" smtClean="0"/>
-              <a:t>9/13/23</a:t>
+              <a:t>9/6/24</a:t>
             </a:fld>
             <a:endParaRPr lang="en-US"/>
           </a:p>
@@ -889,7 +897,7 @@
           <a:p>
             <a:fld id="{55115553-BA6D-E449-B244-9E82488F93BF}" type="datetimeFigureOut">
               <a:rPr lang="en-US" smtClean="0"/>
-              <a:t>9/13/23</a:t>
+              <a:t>9/6/24</a:t>
             </a:fld>
             <a:endParaRPr lang="en-US"/>
           </a:p>
@@ -1168,7 +1176,7 @@
           <a:p>
             <a:fld id="{55115553-BA6D-E449-B244-9E82488F93BF}" type="datetimeFigureOut">
               <a:rPr lang="en-US" smtClean="0"/>
-              <a:t>9/13/23</a:t>
+              <a:t>9/6/24</a:t>
             </a:fld>
             <a:endParaRPr lang="en-US"/>
           </a:p>
@@ -1436,7 +1444,7 @@
           <a:p>
             <a:fld id="{55115553-BA6D-E449-B244-9E82488F93BF}" type="datetimeFigureOut">
               <a:rPr lang="en-US" smtClean="0"/>
-              <a:t>9/13/23</a:t>
+              <a:t>9/6/24</a:t>
             </a:fld>
             <a:endParaRPr lang="en-US"/>
           </a:p>
@@ -1852,7 +1860,7 @@
           <a:p>
             <a:fld id="{55115553-BA6D-E449-B244-9E82488F93BF}" type="datetimeFigureOut">
               <a:rPr lang="en-US" smtClean="0"/>
-              <a:t>9/13/23</a:t>
+              <a:t>9/6/24</a:t>
             </a:fld>
             <a:endParaRPr lang="en-US"/>
           </a:p>
@@ -2001,7 +2009,7 @@
           <a:p>
             <a:fld id="{55115553-BA6D-E449-B244-9E82488F93BF}" type="datetimeFigureOut">
               <a:rPr lang="en-US" smtClean="0"/>
-              <a:t>9/13/23</a:t>
+              <a:t>9/6/24</a:t>
             </a:fld>
             <a:endParaRPr lang="en-US"/>
           </a:p>
@@ -2127,7 +2135,7 @@
           <a:p>
             <a:fld id="{55115553-BA6D-E449-B244-9E82488F93BF}" type="datetimeFigureOut">
               <a:rPr lang="en-US" smtClean="0"/>
-              <a:t>9/13/23</a:t>
+              <a:t>9/6/24</a:t>
             </a:fld>
             <a:endParaRPr lang="en-US"/>
           </a:p>
@@ -2378,7 +2386,7 @@
           <a:p>
             <a:fld id="{55115553-BA6D-E449-B244-9E82488F93BF}" type="datetimeFigureOut">
               <a:rPr lang="en-US" smtClean="0"/>
-              <a:t>9/13/23</a:t>
+              <a:t>9/6/24</a:t>
             </a:fld>
             <a:endParaRPr lang="en-US"/>
           </a:p>
@@ -2823,7 +2831,7 @@
           <a:p>
             <a:fld id="{55115553-BA6D-E449-B244-9E82488F93BF}" type="datetimeFigureOut">
               <a:rPr lang="en-US" smtClean="0"/>
-              <a:t>9/13/23</a:t>
+              <a:t>9/6/24</a:t>
             </a:fld>
             <a:endParaRPr lang="en-US"/>
           </a:p>
@@ -3150,7 +3158,7 @@
           <a:p>
             <a:fld id="{55115553-BA6D-E449-B244-9E82488F93BF}" type="datetimeFigureOut">
               <a:rPr lang="en-US" smtClean="0"/>
-              <a:t>9/13/23</a:t>
+              <a:t>9/6/24</a:t>
             </a:fld>
             <a:endParaRPr lang="en-US"/>
           </a:p>
@@ -3708,6 +3716,30 @@
 <file path=ppt/slides/slide10.xml><?xml version="1.0" encoding="utf-8"?>
 <p:sld xmlns:a="http://schemas.openxmlformats.org/drawingml/2006/main" xmlns:r="http://schemas.openxmlformats.org/officeDocument/2006/relationships" xmlns:p="http://schemas.openxmlformats.org/presentationml/2006/main">
   <p:cSld>
+    <p:bg>
+      <p:bgPr>
+        <a:gradFill rotWithShape="1">
+          <a:gsLst>
+            <a:gs pos="0">
+              <a:schemeClr val="bg2">
+                <a:tint val="94000"/>
+                <a:satMod val="80000"/>
+                <a:lumMod val="106000"/>
+              </a:schemeClr>
+            </a:gs>
+            <a:gs pos="100000">
+              <a:schemeClr val="bg2">
+                <a:shade val="80000"/>
+              </a:schemeClr>
+            </a:gs>
+          </a:gsLst>
+          <a:path path="circle">
+            <a:fillToRect l="43000" r="43000" b="100000"/>
+          </a:path>
+        </a:gradFill>
+        <a:effectLst/>
+      </p:bgPr>
+    </p:bg>
     <p:spTree>
       <p:nvGrpSpPr>
         <p:cNvPr id="1" name=""/>
@@ -3727,7 +3759,7 @@
           <p:cNvPr id="2" name="Title 1">
             <a:extLst>
               <a:ext uri="{FF2B5EF4-FFF2-40B4-BE49-F238E27FC236}">
-                <a16:creationId xmlns:a16="http://schemas.microsoft.com/office/drawing/2014/main" id="{96596181-64C3-1A29-D589-312656EAC5A5}"/>
+                <a16:creationId xmlns:a16="http://schemas.microsoft.com/office/drawing/2014/main" id="{5B5ADEE4-B882-852C-2A64-2765D7B79895}"/>
               </a:ext>
             </a:extLst>
           </p:cNvPr>
@@ -3738,14 +3770,21 @@
             <p:ph type="title"/>
           </p:nvPr>
         </p:nvSpPr>
-        <p:spPr/>
-        <p:txBody>
-          <a:bodyPr/>
-          <a:lstStyle/>
-          <a:p>
-            <a:r>
-              <a:rPr lang="en-US" dirty="0"/>
-              <a:t>Loop Concerns</a:t>
+        <p:spPr>
+          <a:xfrm>
+            <a:off x="1451579" y="804519"/>
+            <a:ext cx="9603275" cy="1049235"/>
+          </a:xfrm>
+        </p:spPr>
+        <p:txBody>
+          <a:bodyPr>
+            <a:normAutofit/>
+          </a:bodyPr>
+          <a:lstStyle/>
+          <a:p>
+            <a:r>
+              <a:rPr lang="en-US" dirty="0"/>
+              <a:t>While Loops</a:t>
             </a:r>
           </a:p>
         </p:txBody>
@@ -3755,7 +3794,7 @@
           <p:cNvPr id="3" name="Content Placeholder 2">
             <a:extLst>
               <a:ext uri="{FF2B5EF4-FFF2-40B4-BE49-F238E27FC236}">
-                <a16:creationId xmlns:a16="http://schemas.microsoft.com/office/drawing/2014/main" id="{A6ED542A-D6DD-DC93-4D35-985AC3961276}"/>
+                <a16:creationId xmlns:a16="http://schemas.microsoft.com/office/drawing/2014/main" id="{FA7A62DE-D1BE-58EF-8957-095ED0BCEF82}"/>
               </a:ext>
             </a:extLst>
           </p:cNvPr>
@@ -3768,78 +3807,144 @@
         </p:nvSpPr>
         <p:spPr>
           <a:xfrm>
-            <a:off x="1451579" y="1853754"/>
-            <a:ext cx="9603275" cy="4199727"/>
-          </a:xfrm>
-        </p:spPr>
-        <p:txBody>
-          <a:bodyPr/>
-          <a:lstStyle/>
-          <a:p>
-            <a:r>
-              <a:rPr lang="en-US" dirty="0"/>
-              <a:t>Loops can also introduce errors to our code pretty easily. </a:t>
-            </a:r>
-          </a:p>
-          <a:p>
-            <a:r>
-              <a:rPr lang="en-US" dirty="0"/>
-              <a:t>Some common concerns that we should think to test for are:</a:t>
+            <a:off x="210066" y="1853754"/>
+            <a:ext cx="7070536" cy="4199727"/>
+          </a:xfrm>
+        </p:spPr>
+        <p:txBody>
+          <a:bodyPr>
+            <a:normAutofit/>
+          </a:bodyPr>
+          <a:lstStyle/>
+          <a:p>
+            <a:r>
+              <a:rPr lang="en-US" dirty="0"/>
+              <a:t>While loops are the simplest type of loop. </a:t>
             </a:r>
           </a:p>
           <a:p>
             <a:pPr lvl="1"/>
             <a:r>
               <a:rPr lang="en-US" dirty="0"/>
-              <a:t>Correct number of executions - +/- 1, first and last items captured, infinite execution. </a:t>
-            </a:r>
-          </a:p>
-          <a:p>
-            <a:r>
-              <a:rPr lang="en-US" dirty="0"/>
-              <a:t>Print statements are the easy way to debug. </a:t>
+              <a:t>Check a Boolean test in our condition. </a:t>
             </a:r>
           </a:p>
           <a:p>
             <a:pPr lvl="1"/>
             <a:r>
               <a:rPr lang="en-US" dirty="0"/>
-              <a:t>Print loop number, key values, other things that matter. </a:t>
+              <a:t>If it is true, do the body of the loop, then repeat the test. </a:t>
             </a:r>
           </a:p>
           <a:p>
             <a:pPr lvl="1"/>
             <a:r>
               <a:rPr lang="en-US" dirty="0"/>
-              <a:t>Can be every loop, every X loops, or some critical values like first/last. </a:t>
-            </a:r>
-          </a:p>
-          <a:p>
-            <a:r>
-              <a:rPr lang="en-US" dirty="0"/>
-              <a:t>Nested loops especially can explode in run time. </a:t>
+              <a:t>If it is false, exit the loop and go on to whatever is below. </a:t>
+            </a:r>
+          </a:p>
+          <a:p>
+            <a:r>
+              <a:rPr lang="en-US" dirty="0"/>
+              <a:t>Often paired with a counter. </a:t>
             </a:r>
           </a:p>
           <a:p>
             <a:pPr lvl="1"/>
             <a:r>
               <a:rPr lang="en-US" dirty="0"/>
-              <a:t>One of the few things we really need to consider for efficiency. </a:t>
+              <a:t>E.g. </a:t>
+            </a:r>
+            <a:r>
+              <a:rPr lang="en-US" dirty="0" err="1"/>
+              <a:t>i</a:t>
+            </a:r>
+            <a:r>
+              <a:rPr lang="en-US" dirty="0"/>
+              <a:t>=0 before loop, </a:t>
+            </a:r>
+            <a:r>
+              <a:rPr lang="en-US" dirty="0" err="1"/>
+              <a:t>i</a:t>
+            </a:r>
+            <a:r>
+              <a:rPr lang="en-US" dirty="0"/>
+              <a:t> &lt; length as condition, </a:t>
+            </a:r>
+            <a:r>
+              <a:rPr lang="en-US" dirty="0" err="1"/>
+              <a:t>i</a:t>
+            </a:r>
+            <a:r>
+              <a:rPr lang="en-US" dirty="0"/>
+              <a:t> =+ 1 at the end. </a:t>
             </a:r>
           </a:p>
           <a:p>
             <a:pPr lvl="1"/>
             <a:r>
-              <a:rPr lang="en-US" dirty="0"/>
-              <a:t>Particularly when we have large machine learning datasets. </a:t>
-            </a:r>
-          </a:p>
-        </p:txBody>
-      </p:sp>
+              <a:rPr lang="en-US" b="1" dirty="0"/>
+              <a:t>You must manage ‘progress’ through the loop. </a:t>
+            </a:r>
+          </a:p>
+          <a:p>
+            <a:r>
+              <a:rPr lang="en-US" dirty="0"/>
+              <a:t>Note: the test is performed first, so there could be 0 executions. </a:t>
+            </a:r>
+          </a:p>
+        </p:txBody>
+      </p:sp>
+      <p:pic>
+        <p:nvPicPr>
+          <p:cNvPr id="1026" name="Picture 2" descr="Python While Loop Tutorial – Do While True Example Statement">
+            <a:extLst>
+              <a:ext uri="{FF2B5EF4-FFF2-40B4-BE49-F238E27FC236}">
+                <a16:creationId xmlns:a16="http://schemas.microsoft.com/office/drawing/2014/main" id="{B104A627-A48D-A96A-492A-476325E953D9}"/>
+              </a:ext>
+            </a:extLst>
+          </p:cNvPr>
+          <p:cNvPicPr>
+            <a:picLocks noChangeAspect="1" noChangeArrowheads="1"/>
+          </p:cNvPicPr>
+          <p:nvPr/>
+        </p:nvPicPr>
+        <p:blipFill>
+          <a:blip r:embed="rId2">
+            <a:extLst>
+              <a:ext uri="{28A0092B-C50C-407E-A947-70E740481C1C}">
+                <a14:useLocalDpi xmlns:a14="http://schemas.microsoft.com/office/drawing/2010/main" val="0"/>
+              </a:ext>
+            </a:extLst>
+          </a:blip>
+          <a:stretch>
+            <a:fillRect/>
+          </a:stretch>
+        </p:blipFill>
+        <p:spPr bwMode="auto">
+          <a:xfrm>
+            <a:off x="7280602" y="1838895"/>
+            <a:ext cx="4911398" cy="5019105"/>
+          </a:xfrm>
+          <a:prstGeom prst="rect">
+            <a:avLst/>
+          </a:prstGeom>
+          <a:noFill/>
+          <a:extLst>
+            <a:ext uri="{909E8E84-426E-40DD-AFC4-6F175D3DCCD1}">
+              <a14:hiddenFill xmlns:a14="http://schemas.microsoft.com/office/drawing/2010/main">
+                <a:solidFill>
+                  <a:srgbClr val="FFFFFF"/>
+                </a:solidFill>
+              </a14:hiddenFill>
+            </a:ext>
+          </a:extLst>
+        </p:spPr>
+      </p:pic>
     </p:spTree>
     <p:extLst>
       <p:ext uri="{BB962C8B-B14F-4D97-AF65-F5344CB8AC3E}">
-        <p14:creationId xmlns:p14="http://schemas.microsoft.com/office/powerpoint/2010/main" val="2179936599"/>
+        <p14:creationId xmlns:p14="http://schemas.microsoft.com/office/powerpoint/2010/main" val="4003331990"/>
       </p:ext>
     </p:extLst>
   </p:cSld>
@@ -3850,6 +3955,189 @@
 </file>
 
 <file path=ppt/slides/slide11.xml><?xml version="1.0" encoding="utf-8"?>
+<p:sld xmlns:a="http://schemas.openxmlformats.org/drawingml/2006/main" xmlns:r="http://schemas.openxmlformats.org/officeDocument/2006/relationships" xmlns:p="http://schemas.openxmlformats.org/presentationml/2006/main">
+  <p:cSld>
+    <p:spTree>
+      <p:nvGrpSpPr>
+        <p:cNvPr id="1" name=""/>
+        <p:cNvGrpSpPr/>
+        <p:nvPr/>
+      </p:nvGrpSpPr>
+      <p:grpSpPr>
+        <a:xfrm>
+          <a:off x="0" y="0"/>
+          <a:ext cx="0" cy="0"/>
+          <a:chOff x="0" y="0"/>
+          <a:chExt cx="0" cy="0"/>
+        </a:xfrm>
+      </p:grpSpPr>
+      <p:sp>
+        <p:nvSpPr>
+          <p:cNvPr id="2" name="Title 1">
+            <a:extLst>
+              <a:ext uri="{FF2B5EF4-FFF2-40B4-BE49-F238E27FC236}">
+                <a16:creationId xmlns:a16="http://schemas.microsoft.com/office/drawing/2014/main" id="{039C3146-1CF1-98AD-5F6A-E695C6E6C1DC}"/>
+              </a:ext>
+            </a:extLst>
+          </p:cNvPr>
+          <p:cNvSpPr>
+            <a:spLocks noGrp="1"/>
+          </p:cNvSpPr>
+          <p:nvPr>
+            <p:ph type="title"/>
+          </p:nvPr>
+        </p:nvSpPr>
+        <p:spPr/>
+        <p:txBody>
+          <a:bodyPr/>
+          <a:lstStyle/>
+          <a:p>
+            <a:r>
+              <a:rPr lang="en-US" dirty="0"/>
+              <a:t>While Loop Syntax</a:t>
+            </a:r>
+          </a:p>
+        </p:txBody>
+      </p:sp>
+      <p:sp>
+        <p:nvSpPr>
+          <p:cNvPr id="3" name="Content Placeholder 2">
+            <a:extLst>
+              <a:ext uri="{FF2B5EF4-FFF2-40B4-BE49-F238E27FC236}">
+                <a16:creationId xmlns:a16="http://schemas.microsoft.com/office/drawing/2014/main" id="{10E74625-E97E-5119-55DE-DC1D5E3EFCCD}"/>
+              </a:ext>
+            </a:extLst>
+          </p:cNvPr>
+          <p:cNvSpPr>
+            <a:spLocks noGrp="1"/>
+          </p:cNvSpPr>
+          <p:nvPr>
+            <p:ph idx="1"/>
+          </p:nvPr>
+        </p:nvSpPr>
+        <p:spPr>
+          <a:xfrm>
+            <a:off x="69574" y="1853753"/>
+            <a:ext cx="6454793" cy="4199727"/>
+          </a:xfrm>
+        </p:spPr>
+        <p:txBody>
+          <a:bodyPr>
+            <a:normAutofit/>
+          </a:bodyPr>
+          <a:lstStyle/>
+          <a:p>
+            <a:r>
+              <a:rPr lang="en-US" dirty="0"/>
+              <a:t>The structure of a while loop is very similar to an “if”. </a:t>
+            </a:r>
+          </a:p>
+          <a:p>
+            <a:r>
+              <a:rPr lang="en-US" dirty="0"/>
+              <a:t>Indentation denotes the body of the loop. </a:t>
+            </a:r>
+          </a:p>
+          <a:p>
+            <a:r>
+              <a:rPr lang="en-US" dirty="0"/>
+              <a:t>While loops require that </a:t>
+            </a:r>
+            <a:r>
+              <a:rPr lang="en-US" b="1" dirty="0"/>
+              <a:t>you manage the condition</a:t>
+            </a:r>
+            <a:r>
+              <a:rPr lang="en-US" dirty="0"/>
+              <a:t>. </a:t>
+            </a:r>
+          </a:p>
+          <a:p>
+            <a:r>
+              <a:rPr lang="en-US" dirty="0"/>
+              <a:t>Print statements that tell you which execution you’re in are helpful to debug. </a:t>
+            </a:r>
+          </a:p>
+          <a:p>
+            <a:r>
+              <a:rPr lang="en-US" dirty="0"/>
+              <a:t>Loops can be Infinite, or non-terminating, so make sure your condition makes sense.</a:t>
+            </a:r>
+          </a:p>
+          <a:p>
+            <a:pPr lvl="1"/>
+            <a:r>
+              <a:rPr lang="en-US" dirty="0"/>
+              <a:t>If there’s a counter, make sure it updates. </a:t>
+            </a:r>
+          </a:p>
+          <a:p>
+            <a:r>
+              <a:rPr lang="en-US" dirty="0"/>
+              <a:t>Common when we need to do something X times. </a:t>
+            </a:r>
+          </a:p>
+        </p:txBody>
+      </p:sp>
+      <p:pic>
+        <p:nvPicPr>
+          <p:cNvPr id="2050" name="Picture 2" descr="While loops in Python">
+            <a:extLst>
+              <a:ext uri="{FF2B5EF4-FFF2-40B4-BE49-F238E27FC236}">
+                <a16:creationId xmlns:a16="http://schemas.microsoft.com/office/drawing/2014/main" id="{6E360B07-B232-D8CC-1509-518AD223DC82}"/>
+              </a:ext>
+            </a:extLst>
+          </p:cNvPr>
+          <p:cNvPicPr>
+            <a:picLocks noChangeAspect="1" noChangeArrowheads="1"/>
+          </p:cNvPicPr>
+          <p:nvPr/>
+        </p:nvPicPr>
+        <p:blipFill rotWithShape="1">
+          <a:blip r:embed="rId2">
+            <a:extLst>
+              <a:ext uri="{28A0092B-C50C-407E-A947-70E740481C1C}">
+                <a14:useLocalDpi xmlns:a14="http://schemas.microsoft.com/office/drawing/2010/main" val="0"/>
+              </a:ext>
+            </a:extLst>
+          </a:blip>
+          <a:srcRect l="22857" t="6310" r="25598" b="16085"/>
+          <a:stretch/>
+        </p:blipFill>
+        <p:spPr bwMode="auto">
+          <a:xfrm>
+            <a:off x="6623669" y="2009058"/>
+            <a:ext cx="5498757" cy="4661826"/>
+          </a:xfrm>
+          <a:prstGeom prst="rect">
+            <a:avLst/>
+          </a:prstGeom>
+          <a:noFill/>
+          <a:extLst>
+            <a:ext uri="{909E8E84-426E-40DD-AFC4-6F175D3DCCD1}">
+              <a14:hiddenFill xmlns:a14="http://schemas.microsoft.com/office/drawing/2010/main">
+                <a:solidFill>
+                  <a:srgbClr val="FFFFFF"/>
+                </a:solidFill>
+              </a14:hiddenFill>
+            </a:ext>
+          </a:extLst>
+        </p:spPr>
+      </p:pic>
+    </p:spTree>
+    <p:extLst>
+      <p:ext uri="{BB962C8B-B14F-4D97-AF65-F5344CB8AC3E}">
+        <p14:creationId xmlns:p14="http://schemas.microsoft.com/office/powerpoint/2010/main" val="1927239041"/>
+      </p:ext>
+    </p:extLst>
+  </p:cSld>
+  <p:clrMapOvr>
+    <a:masterClrMapping/>
+  </p:clrMapOvr>
+</p:sld>
+</file>
+
+<file path=ppt/slides/slide12.xml><?xml version="1.0" encoding="utf-8"?>
 <p:sld xmlns:a="http://schemas.openxmlformats.org/drawingml/2006/main" xmlns:r="http://schemas.openxmlformats.org/officeDocument/2006/relationships" xmlns:p="http://schemas.openxmlformats.org/presentationml/2006/main">
   <p:cSld>
     <p:bg>
@@ -3895,7 +4183,7 @@
           <p:cNvPr id="2" name="Title 1">
             <a:extLst>
               <a:ext uri="{FF2B5EF4-FFF2-40B4-BE49-F238E27FC236}">
-                <a16:creationId xmlns:a16="http://schemas.microsoft.com/office/drawing/2014/main" id="{85FAAAFC-1088-0106-A491-0AA587097E53}"/>
+                <a16:creationId xmlns:a16="http://schemas.microsoft.com/office/drawing/2014/main" id="{F58CE888-1C11-99E9-5AA8-A093B8E7B25A}"/>
               </a:ext>
             </a:extLst>
           </p:cNvPr>
@@ -3920,7 +4208,7 @@
           <a:p>
             <a:r>
               <a:rPr lang="en-US" dirty="0"/>
-              <a:t>O-Notation</a:t>
+              <a:t>For Loops</a:t>
             </a:r>
           </a:p>
         </p:txBody>
@@ -3930,7 +4218,7 @@
           <p:cNvPr id="3" name="Content Placeholder 2">
             <a:extLst>
               <a:ext uri="{FF2B5EF4-FFF2-40B4-BE49-F238E27FC236}">
-                <a16:creationId xmlns:a16="http://schemas.microsoft.com/office/drawing/2014/main" id="{8E4F0EF2-E1F9-4A25-BC81-2B0CE493FEC7}"/>
+                <a16:creationId xmlns:a16="http://schemas.microsoft.com/office/drawing/2014/main" id="{88B09C3D-59DA-1BC2-8795-972E40FD3CD0}"/>
               </a:ext>
             </a:extLst>
           </p:cNvPr>
@@ -3943,73 +4231,54 @@
         </p:nvSpPr>
         <p:spPr>
           <a:xfrm>
-            <a:off x="86497" y="1853754"/>
-            <a:ext cx="5527637" cy="4162865"/>
+            <a:off x="79513" y="2015734"/>
+            <a:ext cx="6014897" cy="4037747"/>
           </a:xfrm>
         </p:spPr>
         <p:txBody>
           <a:bodyPr>
-            <a:normAutofit fontScale="92500" lnSpcReduction="20000"/>
+            <a:normAutofit/>
           </a:bodyPr>
           <a:lstStyle/>
           <a:p>
             <a:r>
               <a:rPr lang="en-US" dirty="0"/>
-              <a:t>O Notation or Big O Notation is a way to express a rough estimate of speed of an algorithm. </a:t>
+              <a:t>For loops are another common loop type, probably the most common in DS. </a:t>
+            </a:r>
+          </a:p>
+          <a:p>
+            <a:r>
+              <a:rPr lang="en-US" dirty="0"/>
+              <a:t>For loops are normally done to items in a data structure – collections of objects. </a:t>
             </a:r>
           </a:p>
           <a:p>
             <a:pPr lvl="1"/>
             <a:r>
               <a:rPr lang="en-US" dirty="0"/>
-              <a:t>Algorithm – set of steps to achieve a goal. </a:t>
-            </a:r>
-          </a:p>
-          <a:p>
-            <a:r>
-              <a:rPr lang="en-US" dirty="0"/>
-              <a:t>We don’t need to memorize this, but it is a good way to start to consider efficiency when we are looping over massive things many times. </a:t>
-            </a:r>
-          </a:p>
-          <a:p>
-            <a:pPr lvl="1"/>
-            <a:r>
-              <a:rPr lang="en-US" dirty="0"/>
-              <a:t>Care mainly with large data sets, such as NN. </a:t>
-            </a:r>
-          </a:p>
-          <a:p>
-            <a:r>
-              <a:rPr lang="en-US" dirty="0"/>
-              <a:t>O(1) – it take the same time no matter what. </a:t>
-            </a:r>
-          </a:p>
-          <a:p>
-            <a:r>
-              <a:rPr lang="en-US" dirty="0"/>
-              <a:t>O(n) – it take the same time for each item. </a:t>
-            </a:r>
-          </a:p>
-          <a:p>
-            <a:r>
-              <a:rPr lang="en-US" dirty="0"/>
-              <a:t>O(n2) – it takes time times time. Nested linear. </a:t>
-            </a:r>
-          </a:p>
-          <a:p>
-            <a:r>
-              <a:rPr lang="en-US" dirty="0"/>
-              <a:t>O(2n) – it takes time to the time. Find all subsets. </a:t>
+              <a:t>“For each item in this container, do this stuff”. </a:t>
+            </a:r>
+          </a:p>
+          <a:p>
+            <a:r>
+              <a:rPr lang="en-US" dirty="0"/>
+              <a:t>Since we will end up dealing mostly with big stacks of data, this makes sense for us. </a:t>
+            </a:r>
+          </a:p>
+          <a:p>
+            <a:r>
+              <a:rPr lang="en-US" dirty="0"/>
+              <a:t>A for loop manages the ‘progress’ on its own. </a:t>
             </a:r>
           </a:p>
         </p:txBody>
       </p:sp>
       <p:pic>
         <p:nvPicPr>
-          <p:cNvPr id="5122" name="Picture 2" descr="Big O Notation: What Is It?. Note that when evaluating the… | by Mohit  Varikuti | Towards AI">
+          <p:cNvPr id="3074" name="Picture 2" descr="Python For Loops - GeeksforGeeks">
             <a:extLst>
               <a:ext uri="{FF2B5EF4-FFF2-40B4-BE49-F238E27FC236}">
-                <a16:creationId xmlns:a16="http://schemas.microsoft.com/office/drawing/2014/main" id="{69A8AC54-DA02-9163-EE3E-91FC5DD39031}"/>
+                <a16:creationId xmlns:a16="http://schemas.microsoft.com/office/drawing/2014/main" id="{DA758AE6-514B-5633-01D8-A9876B279BCA}"/>
               </a:ext>
             </a:extLst>
           </p:cNvPr>
@@ -4032,8 +4301,8 @@
         </p:blipFill>
         <p:spPr bwMode="auto">
           <a:xfrm>
-            <a:off x="5614134" y="1890616"/>
-            <a:ext cx="6632017" cy="4162865"/>
+            <a:off x="6094411" y="1901395"/>
+            <a:ext cx="6110568" cy="3757999"/>
           </a:xfrm>
           <a:prstGeom prst="rect">
             <a:avLst/>
@@ -4053,7 +4322,7 @@
     </p:spTree>
     <p:extLst>
       <p:ext uri="{BB962C8B-B14F-4D97-AF65-F5344CB8AC3E}">
-        <p14:creationId xmlns:p14="http://schemas.microsoft.com/office/powerpoint/2010/main" val="2071656244"/>
+        <p14:creationId xmlns:p14="http://schemas.microsoft.com/office/powerpoint/2010/main" val="1192004791"/>
       </p:ext>
     </p:extLst>
   </p:cSld>
@@ -4063,426 +4332,7 @@
 </p:sld>
 </file>
 
-<file path=ppt/slides/slide12.xml><?xml version="1.0" encoding="utf-8"?>
-<p:sld xmlns:a="http://schemas.openxmlformats.org/drawingml/2006/main" xmlns:r="http://schemas.openxmlformats.org/officeDocument/2006/relationships" xmlns:p="http://schemas.openxmlformats.org/presentationml/2006/main">
-  <p:cSld>
-    <p:spTree>
-      <p:nvGrpSpPr>
-        <p:cNvPr id="1" name=""/>
-        <p:cNvGrpSpPr/>
-        <p:nvPr/>
-      </p:nvGrpSpPr>
-      <p:grpSpPr>
-        <a:xfrm>
-          <a:off x="0" y="0"/>
-          <a:ext cx="0" cy="0"/>
-          <a:chOff x="0" y="0"/>
-          <a:chExt cx="0" cy="0"/>
-        </a:xfrm>
-      </p:grpSpPr>
-      <p:sp>
-        <p:nvSpPr>
-          <p:cNvPr id="2" name="Title 1">
-            <a:extLst>
-              <a:ext uri="{FF2B5EF4-FFF2-40B4-BE49-F238E27FC236}">
-                <a16:creationId xmlns:a16="http://schemas.microsoft.com/office/drawing/2014/main" id="{1E7921F2-9163-E24B-0E80-B54308D02690}"/>
-              </a:ext>
-            </a:extLst>
-          </p:cNvPr>
-          <p:cNvSpPr>
-            <a:spLocks noGrp="1"/>
-          </p:cNvSpPr>
-          <p:nvPr>
-            <p:ph type="title"/>
-          </p:nvPr>
-        </p:nvSpPr>
-        <p:spPr/>
-        <p:txBody>
-          <a:bodyPr/>
-          <a:lstStyle/>
-          <a:p>
-            <a:r>
-              <a:rPr lang="en-US" dirty="0"/>
-              <a:t>Looping Back</a:t>
-            </a:r>
-          </a:p>
-        </p:txBody>
-      </p:sp>
-      <p:sp>
-        <p:nvSpPr>
-          <p:cNvPr id="3" name="Content Placeholder 2">
-            <a:extLst>
-              <a:ext uri="{FF2B5EF4-FFF2-40B4-BE49-F238E27FC236}">
-                <a16:creationId xmlns:a16="http://schemas.microsoft.com/office/drawing/2014/main" id="{0B8A1080-D366-F9F4-FCB7-13DA335AACC8}"/>
-              </a:ext>
-            </a:extLst>
-          </p:cNvPr>
-          <p:cNvSpPr>
-            <a:spLocks noGrp="1"/>
-          </p:cNvSpPr>
-          <p:nvPr>
-            <p:ph idx="1"/>
-          </p:nvPr>
-        </p:nvSpPr>
-        <p:spPr>
-          <a:xfrm>
-            <a:off x="1451579" y="2015732"/>
-            <a:ext cx="9603275" cy="4037749"/>
-          </a:xfrm>
-        </p:spPr>
-        <p:txBody>
-          <a:bodyPr/>
-          <a:lstStyle/>
-          <a:p>
-            <a:r>
-              <a:rPr lang="en-US" dirty="0"/>
-              <a:t>Loops are another tool that will be ubiquitous for us. </a:t>
-            </a:r>
-          </a:p>
-          <a:p>
-            <a:r>
-              <a:rPr lang="en-US" dirty="0"/>
-              <a:t>Loops allow for automatic repetition and completing actions over entire sets of objects. </a:t>
-            </a:r>
-          </a:p>
-          <a:p>
-            <a:r>
-              <a:rPr lang="en-US" dirty="0"/>
-              <a:t>Looping can potentially introduce some concerns:</a:t>
-            </a:r>
-          </a:p>
-          <a:p>
-            <a:pPr lvl="1"/>
-            <a:r>
-              <a:rPr lang="en-US" dirty="0"/>
-              <a:t>Execution time can run away. </a:t>
-            </a:r>
-          </a:p>
-          <a:p>
-            <a:pPr lvl="1"/>
-            <a:r>
-              <a:rPr lang="en-US" dirty="0"/>
-              <a:t>Conditions can be erroneous, especially around edge cases. </a:t>
-            </a:r>
-          </a:p>
-          <a:p>
-            <a:r>
-              <a:rPr lang="en-US" dirty="0"/>
-              <a:t>We have different types of loops, depending on what we’re doing. </a:t>
-            </a:r>
-          </a:p>
-          <a:p>
-            <a:pPr lvl="1"/>
-            <a:r>
-              <a:rPr lang="en-US" dirty="0"/>
-              <a:t>“For” looping through all of something. </a:t>
-            </a:r>
-          </a:p>
-          <a:p>
-            <a:pPr lvl="1"/>
-            <a:r>
-              <a:rPr lang="en-US" dirty="0"/>
-              <a:t>“While” looping until some condition you define. </a:t>
-            </a:r>
-          </a:p>
-        </p:txBody>
-      </p:sp>
-    </p:spTree>
-    <p:extLst>
-      <p:ext uri="{BB962C8B-B14F-4D97-AF65-F5344CB8AC3E}">
-        <p14:creationId xmlns:p14="http://schemas.microsoft.com/office/powerpoint/2010/main" val="3877748916"/>
-      </p:ext>
-    </p:extLst>
-  </p:cSld>
-  <p:clrMapOvr>
-    <a:masterClrMapping/>
-  </p:clrMapOvr>
-</p:sld>
-</file>
-
-<file path=ppt/slides/slide2.xml><?xml version="1.0" encoding="utf-8"?>
-<p:sld xmlns:a="http://schemas.openxmlformats.org/drawingml/2006/main" xmlns:r="http://schemas.openxmlformats.org/officeDocument/2006/relationships" xmlns:p="http://schemas.openxmlformats.org/presentationml/2006/main">
-  <p:cSld>
-    <p:spTree>
-      <p:nvGrpSpPr>
-        <p:cNvPr id="1" name=""/>
-        <p:cNvGrpSpPr/>
-        <p:nvPr/>
-      </p:nvGrpSpPr>
-      <p:grpSpPr>
-        <a:xfrm>
-          <a:off x="0" y="0"/>
-          <a:ext cx="0" cy="0"/>
-          <a:chOff x="0" y="0"/>
-          <a:chExt cx="0" cy="0"/>
-        </a:xfrm>
-      </p:grpSpPr>
-      <p:sp>
-        <p:nvSpPr>
-          <p:cNvPr id="2" name="Title 1">
-            <a:extLst>
-              <a:ext uri="{FF2B5EF4-FFF2-40B4-BE49-F238E27FC236}">
-                <a16:creationId xmlns:a16="http://schemas.microsoft.com/office/drawing/2014/main" id="{AC5BCD5E-7D6D-6D42-1FE8-BE5C8EB349ED}"/>
-              </a:ext>
-            </a:extLst>
-          </p:cNvPr>
-          <p:cNvSpPr>
-            <a:spLocks noGrp="1"/>
-          </p:cNvSpPr>
-          <p:nvPr>
-            <p:ph type="title"/>
-          </p:nvPr>
-        </p:nvSpPr>
-        <p:spPr/>
-        <p:txBody>
-          <a:bodyPr/>
-          <a:lstStyle/>
-          <a:p>
-            <a:r>
-              <a:rPr lang="en-US" dirty="0"/>
-              <a:t>Housekeeping</a:t>
-            </a:r>
-          </a:p>
-        </p:txBody>
-      </p:sp>
-      <p:sp>
-        <p:nvSpPr>
-          <p:cNvPr id="3" name="Content Placeholder 2">
-            <a:extLst>
-              <a:ext uri="{FF2B5EF4-FFF2-40B4-BE49-F238E27FC236}">
-                <a16:creationId xmlns:a16="http://schemas.microsoft.com/office/drawing/2014/main" id="{5E89CCBA-ABEB-CACE-B404-046F8AC2C86C}"/>
-              </a:ext>
-            </a:extLst>
-          </p:cNvPr>
-          <p:cNvSpPr>
-            <a:spLocks noGrp="1"/>
-          </p:cNvSpPr>
-          <p:nvPr>
-            <p:ph idx="1"/>
-          </p:nvPr>
-        </p:nvSpPr>
-        <p:spPr>
-          <a:xfrm>
-            <a:off x="1451579" y="1853754"/>
-            <a:ext cx="9603275" cy="4278689"/>
-          </a:xfrm>
-        </p:spPr>
-        <p:txBody>
-          <a:bodyPr>
-            <a:normAutofit fontScale="92500" lnSpcReduction="10000"/>
-          </a:bodyPr>
-          <a:lstStyle/>
-          <a:p>
-            <a:r>
-              <a:rPr lang="en-US" dirty="0"/>
-              <a:t>Questions?</a:t>
-            </a:r>
-          </a:p>
-          <a:p>
-            <a:pPr lvl="1"/>
-            <a:r>
-              <a:rPr lang="en-US" dirty="0"/>
-              <a:t>Is anything in other classes (stats) a current sticking point? </a:t>
-            </a:r>
-          </a:p>
-          <a:p>
-            <a:r>
-              <a:rPr lang="en-US" dirty="0"/>
-              <a:t>Lab 1 – we’ll be able to tackle it in its entirety post-functions. Most is OK now. </a:t>
-            </a:r>
-          </a:p>
-          <a:p>
-            <a:pPr lvl="1"/>
-            <a:r>
-              <a:rPr lang="en-US" dirty="0"/>
-              <a:t>Lab 0. Not due. For fun only. I forgot to clear the dates, so it showed in your calendar. </a:t>
-            </a:r>
-          </a:p>
-          <a:p>
-            <a:r>
-              <a:rPr lang="en-US" dirty="0"/>
-              <a:t>Today:</a:t>
-            </a:r>
-          </a:p>
-          <a:p>
-            <a:pPr lvl="1"/>
-            <a:r>
-              <a:rPr lang="en-US" dirty="0"/>
-              <a:t>Looping</a:t>
-            </a:r>
-          </a:p>
-          <a:p>
-            <a:pPr lvl="1"/>
-            <a:r>
-              <a:rPr lang="en-US" dirty="0"/>
-              <a:t>Functions</a:t>
-            </a:r>
-          </a:p>
-          <a:p>
-            <a:pPr lvl="1"/>
-            <a:r>
-              <a:rPr lang="en-US" dirty="0"/>
-              <a:t>Chapters 3 + 7 in text. End of chapters have extra exercises. </a:t>
-            </a:r>
-          </a:p>
-          <a:p>
-            <a:pPr lvl="1"/>
-            <a:r>
-              <a:rPr lang="en-US" dirty="0"/>
-              <a:t>Maybe some file access stuff, depending on time.  </a:t>
-            </a:r>
-          </a:p>
-          <a:p>
-            <a:r>
-              <a:rPr lang="en-US" dirty="0"/>
-              <a:t>By the end of today….</a:t>
-            </a:r>
-          </a:p>
-          <a:p>
-            <a:pPr lvl="1"/>
-            <a:r>
-              <a:rPr lang="en-US" dirty="0"/>
-              <a:t>Comfortable opening/editing/running notebooks. Good with flow control. OK on functions. </a:t>
-            </a:r>
-          </a:p>
-        </p:txBody>
-      </p:sp>
-    </p:spTree>
-    <p:extLst>
-      <p:ext uri="{BB962C8B-B14F-4D97-AF65-F5344CB8AC3E}">
-        <p14:creationId xmlns:p14="http://schemas.microsoft.com/office/powerpoint/2010/main" val="1846090826"/>
-      </p:ext>
-    </p:extLst>
-  </p:cSld>
-  <p:clrMapOvr>
-    <a:masterClrMapping/>
-  </p:clrMapOvr>
-</p:sld>
-</file>
-
-<file path=ppt/slides/slide3.xml><?xml version="1.0" encoding="utf-8"?>
-<p:sld xmlns:a="http://schemas.openxmlformats.org/drawingml/2006/main" xmlns:r="http://schemas.openxmlformats.org/officeDocument/2006/relationships" xmlns:p="http://schemas.openxmlformats.org/presentationml/2006/main">
-  <p:cSld>
-    <p:spTree>
-      <p:nvGrpSpPr>
-        <p:cNvPr id="1" name=""/>
-        <p:cNvGrpSpPr/>
-        <p:nvPr/>
-      </p:nvGrpSpPr>
-      <p:grpSpPr>
-        <a:xfrm>
-          <a:off x="0" y="0"/>
-          <a:ext cx="0" cy="0"/>
-          <a:chOff x="0" y="0"/>
-          <a:chExt cx="0" cy="0"/>
-        </a:xfrm>
-      </p:grpSpPr>
-      <p:sp>
-        <p:nvSpPr>
-          <p:cNvPr id="2" name="Title 1">
-            <a:extLst>
-              <a:ext uri="{FF2B5EF4-FFF2-40B4-BE49-F238E27FC236}">
-                <a16:creationId xmlns:a16="http://schemas.microsoft.com/office/drawing/2014/main" id="{2FA292C7-34F5-216C-867E-8CC8BC52D288}"/>
-              </a:ext>
-            </a:extLst>
-          </p:cNvPr>
-          <p:cNvSpPr>
-            <a:spLocks noGrp="1"/>
-          </p:cNvSpPr>
-          <p:nvPr>
-            <p:ph type="title"/>
-          </p:nvPr>
-        </p:nvSpPr>
-        <p:spPr/>
-        <p:txBody>
-          <a:bodyPr/>
-          <a:lstStyle/>
-          <a:p>
-            <a:r>
-              <a:rPr lang="en-US" dirty="0"/>
-              <a:t>Loops are Fun!</a:t>
-            </a:r>
-          </a:p>
-        </p:txBody>
-      </p:sp>
-      <p:sp>
-        <p:nvSpPr>
-          <p:cNvPr id="3" name="Content Placeholder 2">
-            <a:extLst>
-              <a:ext uri="{FF2B5EF4-FFF2-40B4-BE49-F238E27FC236}">
-                <a16:creationId xmlns:a16="http://schemas.microsoft.com/office/drawing/2014/main" id="{57FA5C70-C2F6-AC0B-0C4D-F81CEEED7B7A}"/>
-              </a:ext>
-            </a:extLst>
-          </p:cNvPr>
-          <p:cNvSpPr>
-            <a:spLocks noGrp="1"/>
-          </p:cNvSpPr>
-          <p:nvPr>
-            <p:ph idx="1"/>
-          </p:nvPr>
-        </p:nvSpPr>
-        <p:spPr>
-          <a:xfrm>
-            <a:off x="1451579" y="2015732"/>
-            <a:ext cx="9603275" cy="4037749"/>
-          </a:xfrm>
-        </p:spPr>
-        <p:txBody>
-          <a:bodyPr/>
-          <a:lstStyle/>
-          <a:p>
-            <a:r>
-              <a:rPr lang="en-US" dirty="0"/>
-              <a:t>Loops are another core piece of logical control. </a:t>
-            </a:r>
-          </a:p>
-          <a:p>
-            <a:r>
-              <a:rPr lang="en-US" dirty="0"/>
-              <a:t>Loops repeat some block of code until some condition is met. </a:t>
-            </a:r>
-          </a:p>
-          <a:p>
-            <a:r>
-              <a:rPr lang="en-US" dirty="0"/>
-              <a:t>Loops allow us to write some action in a block of code, then do that over and over as many times as needed. </a:t>
-            </a:r>
-          </a:p>
-          <a:p>
-            <a:pPr lvl="1"/>
-            <a:r>
-              <a:rPr lang="en-US" dirty="0"/>
-              <a:t>E.g. increase the price of this list of products by 10%</a:t>
-            </a:r>
-          </a:p>
-          <a:p>
-            <a:r>
-              <a:rPr lang="en-US" dirty="0"/>
-              <a:t>Commonly used to do something a preset number of times, or do something to every item in a data structure. </a:t>
-            </a:r>
-          </a:p>
-          <a:p>
-            <a:r>
-              <a:rPr lang="en-US" dirty="0"/>
-              <a:t>Conditional statements branch, loop statements “branch” back to the start of a block. </a:t>
-            </a:r>
-          </a:p>
-        </p:txBody>
-      </p:sp>
-    </p:spTree>
-    <p:extLst>
-      <p:ext uri="{BB962C8B-B14F-4D97-AF65-F5344CB8AC3E}">
-        <p14:creationId xmlns:p14="http://schemas.microsoft.com/office/powerpoint/2010/main" val="4241327480"/>
-      </p:ext>
-    </p:extLst>
-  </p:cSld>
-  <p:clrMapOvr>
-    <a:masterClrMapping/>
-  </p:clrMapOvr>
-</p:sld>
-</file>
-
-<file path=ppt/slides/slide4.xml><?xml version="1.0" encoding="utf-8"?>
+<file path=ppt/slides/slide13.xml><?xml version="1.0" encoding="utf-8"?>
 <p:sld xmlns:a="http://schemas.openxmlformats.org/drawingml/2006/main" xmlns:r="http://schemas.openxmlformats.org/officeDocument/2006/relationships" xmlns:p="http://schemas.openxmlformats.org/presentationml/2006/main">
   <p:cSld>
     <p:bg>
@@ -4528,7 +4378,7 @@
           <p:cNvPr id="2" name="Title 1">
             <a:extLst>
               <a:ext uri="{FF2B5EF4-FFF2-40B4-BE49-F238E27FC236}">
-                <a16:creationId xmlns:a16="http://schemas.microsoft.com/office/drawing/2014/main" id="{5B5ADEE4-B882-852C-2A64-2765D7B79895}"/>
+                <a16:creationId xmlns:a16="http://schemas.microsoft.com/office/drawing/2014/main" id="{756FE1BC-98D4-6D8B-80E1-EAC29B91A690}"/>
               </a:ext>
             </a:extLst>
           </p:cNvPr>
@@ -4553,7 +4403,7 @@
           <a:p>
             <a:r>
               <a:rPr lang="en-US" dirty="0"/>
-              <a:t>While Loops</a:t>
+              <a:t>For Loop Syntax</a:t>
             </a:r>
           </a:p>
         </p:txBody>
@@ -4563,7 +4413,7 @@
           <p:cNvPr id="3" name="Content Placeholder 2">
             <a:extLst>
               <a:ext uri="{FF2B5EF4-FFF2-40B4-BE49-F238E27FC236}">
-                <a16:creationId xmlns:a16="http://schemas.microsoft.com/office/drawing/2014/main" id="{FA7A62DE-D1BE-58EF-8957-095ED0BCEF82}"/>
+                <a16:creationId xmlns:a16="http://schemas.microsoft.com/office/drawing/2014/main" id="{E4134420-2286-DB4D-BA88-5020EDFCB9D0}"/>
               </a:ext>
             </a:extLst>
           </p:cNvPr>
@@ -4576,85 +4426,100 @@
         </p:nvSpPr>
         <p:spPr>
           <a:xfrm>
-            <a:off x="564293" y="2015734"/>
-            <a:ext cx="6034216" cy="4037747"/>
+            <a:off x="-1" y="1928192"/>
+            <a:ext cx="6406411" cy="4125290"/>
           </a:xfrm>
         </p:spPr>
         <p:txBody>
           <a:bodyPr>
-            <a:normAutofit/>
+            <a:normAutofit lnSpcReduction="10000"/>
           </a:bodyPr>
           <a:lstStyle/>
           <a:p>
             <a:r>
               <a:rPr lang="en-US" dirty="0"/>
-              <a:t>While loops are the simplest type of loop. </a:t>
+              <a:t>For loops “grab” items one by one from some data structure. </a:t>
             </a:r>
           </a:p>
           <a:p>
             <a:pPr lvl="1"/>
             <a:r>
               <a:rPr lang="en-US" dirty="0"/>
-              <a:t>Check a Boolean test in our condition. </a:t>
+              <a:t>We then do the body to the item that we grabbed. Repeat. </a:t>
             </a:r>
           </a:p>
           <a:p>
             <a:pPr lvl="1"/>
             <a:r>
               <a:rPr lang="en-US" dirty="0"/>
-              <a:t>If it is true, do the body of the loop, then repeat the test. </a:t>
+              <a:t>“variable” is the name of the </a:t>
+            </a:r>
+            <a:r>
+              <a:rPr lang="en-US" dirty="0" err="1"/>
+              <a:t>curr</a:t>
+            </a:r>
+            <a:r>
+              <a:rPr lang="en-US" dirty="0"/>
+              <a:t>. item in the loop here. </a:t>
             </a:r>
           </a:p>
           <a:p>
             <a:pPr lvl="1"/>
             <a:r>
               <a:rPr lang="en-US" dirty="0"/>
-              <a:t>If it is false, exit the loop and go on to whatever is below. </a:t>
-            </a:r>
-          </a:p>
-          <a:p>
-            <a:r>
-              <a:rPr lang="en-US" dirty="0"/>
-              <a:t>Often paired with a counter. </a:t>
+              <a:t>Each iteration does something to “variable”, then it advances variable to the next item for the next iteration.</a:t>
+            </a:r>
+          </a:p>
+          <a:p>
+            <a:r>
+              <a:rPr lang="en-US" dirty="0"/>
+              <a:t>The data structure itself can be anything that is “</a:t>
+            </a:r>
+            <a:r>
+              <a:rPr lang="en-CA" b="1" i="0" dirty="0" err="1">
+                <a:solidFill>
+                  <a:srgbClr val="242424"/>
+                </a:solidFill>
+                <a:effectLst/>
+                <a:latin typeface="sohne"/>
+              </a:rPr>
+              <a:t>Iterable</a:t>
+            </a:r>
+            <a:r>
+              <a:rPr lang="en-US" dirty="0"/>
+              <a:t>”</a:t>
             </a:r>
           </a:p>
           <a:p>
             <a:pPr lvl="1"/>
             <a:r>
               <a:rPr lang="en-US" dirty="0"/>
-              <a:t>E.g. </a:t>
+              <a:t>I.e. capable of returning its items one by one. </a:t>
+            </a:r>
+          </a:p>
+          <a:p>
+            <a:pPr lvl="1"/>
+            <a:r>
+              <a:rPr lang="en-US" dirty="0"/>
+              <a:t>Lists, strings, and tuples are all </a:t>
             </a:r>
             <a:r>
               <a:rPr lang="en-US" dirty="0" err="1"/>
-              <a:t>i</a:t>
-            </a:r>
-            <a:r>
-              <a:rPr lang="en-US" dirty="0"/>
-              <a:t> &lt; length as condition. </a:t>
-            </a:r>
-            <a:r>
-              <a:rPr lang="en-US" dirty="0" err="1"/>
-              <a:t>i</a:t>
-            </a:r>
-            <a:r>
-              <a:rPr lang="en-US" dirty="0"/>
-              <a:t> =+ 1 at the end. </a:t>
-            </a:r>
-          </a:p>
-          <a:p>
-            <a:r>
-              <a:rPr lang="en-US" dirty="0"/>
-              <a:t>Note: the test is performed first, so there could be 0 executions. </a:t>
+              <a:t>iterable</a:t>
+            </a:r>
+            <a:r>
+              <a:rPr lang="en-US" dirty="0"/>
+              <a:t>. Many data structures in Python are, making them largely interchangeable. </a:t>
             </a:r>
           </a:p>
         </p:txBody>
       </p:sp>
       <p:pic>
         <p:nvPicPr>
-          <p:cNvPr id="1026" name="Picture 2" descr="Python While Loop Tutorial – Do While True Example Statement">
+          <p:cNvPr id="4098" name="Picture 2" descr="Python for Loops: A Kid-Friendly Guide">
             <a:extLst>
               <a:ext uri="{FF2B5EF4-FFF2-40B4-BE49-F238E27FC236}">
-                <a16:creationId xmlns:a16="http://schemas.microsoft.com/office/drawing/2014/main" id="{B104A627-A48D-A96A-492A-476325E953D9}"/>
+                <a16:creationId xmlns:a16="http://schemas.microsoft.com/office/drawing/2014/main" id="{7D6B5FBA-5EC4-C01E-DF8E-4B4E8330149B}"/>
               </a:ext>
             </a:extLst>
           </p:cNvPr>
@@ -4663,7 +4528,7 @@
           </p:cNvPicPr>
           <p:nvPr/>
         </p:nvPicPr>
-        <p:blipFill>
+        <p:blipFill rotWithShape="1">
           <a:blip r:embed="rId2">
             <a:extLst>
               <a:ext uri="{28A0092B-C50C-407E-A947-70E740481C1C}">
@@ -4671,14 +4536,13 @@
               </a:ext>
             </a:extLst>
           </a:blip>
-          <a:stretch>
-            <a:fillRect/>
-          </a:stretch>
+          <a:srcRect l="3841" t="10545" r="3976" b="7740"/>
+          <a:stretch/>
         </p:blipFill>
         <p:spPr bwMode="auto">
           <a:xfrm>
-            <a:off x="6886350" y="1841965"/>
-            <a:ext cx="4911398" cy="5019105"/>
+            <a:off x="6406411" y="1853754"/>
+            <a:ext cx="5785588" cy="2320681"/>
           </a:xfrm>
           <a:prstGeom prst="rect">
             <a:avLst/>
@@ -4698,7 +4562,7 @@
     </p:spTree>
     <p:extLst>
       <p:ext uri="{BB962C8B-B14F-4D97-AF65-F5344CB8AC3E}">
-        <p14:creationId xmlns:p14="http://schemas.microsoft.com/office/powerpoint/2010/main" val="4003331990"/>
+        <p14:creationId xmlns:p14="http://schemas.microsoft.com/office/powerpoint/2010/main" val="3907463866"/>
       </p:ext>
     </p:extLst>
   </p:cSld>
@@ -4708,7 +4572,389 @@
 </p:sld>
 </file>
 
-<file path=ppt/slides/slide5.xml><?xml version="1.0" encoding="utf-8"?>
+<file path=ppt/slides/slide14.xml><?xml version="1.0" encoding="utf-8"?>
+<p:sld xmlns:a="http://schemas.openxmlformats.org/drawingml/2006/main" xmlns:r="http://schemas.openxmlformats.org/officeDocument/2006/relationships" xmlns:p="http://schemas.openxmlformats.org/presentationml/2006/main">
+  <p:cSld>
+    <p:bg>
+      <p:bgPr>
+        <a:gradFill rotWithShape="1">
+          <a:gsLst>
+            <a:gs pos="0">
+              <a:schemeClr val="bg2">
+                <a:tint val="94000"/>
+                <a:satMod val="80000"/>
+                <a:lumMod val="106000"/>
+              </a:schemeClr>
+            </a:gs>
+            <a:gs pos="100000">
+              <a:schemeClr val="bg2">
+                <a:shade val="80000"/>
+              </a:schemeClr>
+            </a:gs>
+          </a:gsLst>
+          <a:path path="circle">
+            <a:fillToRect l="43000" r="43000" b="100000"/>
+          </a:path>
+        </a:gradFill>
+        <a:effectLst/>
+      </p:bgPr>
+    </p:bg>
+    <p:spTree>
+      <p:nvGrpSpPr>
+        <p:cNvPr id="1" name=""/>
+        <p:cNvGrpSpPr/>
+        <p:nvPr/>
+      </p:nvGrpSpPr>
+      <p:grpSpPr>
+        <a:xfrm>
+          <a:off x="0" y="0"/>
+          <a:ext cx="0" cy="0"/>
+          <a:chOff x="0" y="0"/>
+          <a:chExt cx="0" cy="0"/>
+        </a:xfrm>
+      </p:grpSpPr>
+      <p:sp useBgFill="1">
+        <p:nvSpPr>
+          <p:cNvPr id="9" name="Rectangle 8">
+            <a:extLst>
+              <a:ext uri="{FF2B5EF4-FFF2-40B4-BE49-F238E27FC236}">
+                <a16:creationId xmlns:a16="http://schemas.microsoft.com/office/drawing/2014/main" id="{1C2A4B30-77D7-4FFB-8B53-A88BD68CABD2}"/>
+              </a:ext>
+              <a:ext uri="{C183D7F6-B498-43B3-948B-1728B52AA6E4}">
+                <adec:decorative xmlns:adec="http://schemas.microsoft.com/office/drawing/2017/decorative" val="1"/>
+              </a:ext>
+            </a:extLst>
+          </p:cNvPr>
+          <p:cNvSpPr>
+            <a:spLocks noGrp="1" noRot="1" noChangeAspect="1" noMove="1" noResize="1" noEditPoints="1" noAdjustHandles="1" noChangeArrowheads="1" noChangeShapeType="1" noTextEdit="1"/>
+          </p:cNvSpPr>
+          <p:nvPr>
+            <p:extLst>
+              <p:ext uri="{386F3935-93C4-4BCD-93E2-E3B085C9AB24}">
+                <p16:designElem xmlns:p16="http://schemas.microsoft.com/office/powerpoint/2015/main" val="1"/>
+              </p:ext>
+            </p:extLst>
+          </p:nvPr>
+        </p:nvSpPr>
+        <p:spPr>
+          <a:xfrm>
+            <a:off x="2" y="0"/>
+            <a:ext cx="12191695" cy="6858000"/>
+          </a:xfrm>
+          <a:prstGeom prst="rect">
+            <a:avLst/>
+          </a:prstGeom>
+          <a:ln>
+            <a:noFill/>
+          </a:ln>
+        </p:spPr>
+        <p:style>
+          <a:lnRef idx="2">
+            <a:schemeClr val="accent1">
+              <a:shade val="50000"/>
+            </a:schemeClr>
+          </a:lnRef>
+          <a:fillRef idx="1">
+            <a:schemeClr val="accent1"/>
+          </a:fillRef>
+          <a:effectRef idx="0">
+            <a:schemeClr val="accent1"/>
+          </a:effectRef>
+          <a:fontRef idx="minor">
+            <a:schemeClr val="lt1"/>
+          </a:fontRef>
+        </p:style>
+        <p:txBody>
+          <a:bodyPr rtlCol="0" anchor="ctr"/>
+          <a:lstStyle/>
+          <a:p>
+            <a:pPr algn="ctr"/>
+            <a:endParaRPr lang="en-US"/>
+          </a:p>
+        </p:txBody>
+      </p:sp>
+      <p:sp>
+        <p:nvSpPr>
+          <p:cNvPr id="2" name="Title 1">
+            <a:extLst>
+              <a:ext uri="{FF2B5EF4-FFF2-40B4-BE49-F238E27FC236}">
+                <a16:creationId xmlns:a16="http://schemas.microsoft.com/office/drawing/2014/main" id="{B3E9A11F-5011-F20A-330E-8CABD7BF5FBF}"/>
+              </a:ext>
+            </a:extLst>
+          </p:cNvPr>
+          <p:cNvSpPr>
+            <a:spLocks noGrp="1"/>
+          </p:cNvSpPr>
+          <p:nvPr>
+            <p:ph type="title"/>
+          </p:nvPr>
+        </p:nvSpPr>
+        <p:spPr>
+          <a:xfrm>
+            <a:off x="1451580" y="804519"/>
+            <a:ext cx="4325112" cy="1049235"/>
+          </a:xfrm>
+        </p:spPr>
+        <p:txBody>
+          <a:bodyPr>
+            <a:normAutofit/>
+          </a:bodyPr>
+          <a:lstStyle/>
+          <a:p>
+            <a:r>
+              <a:rPr lang="en-US" sz="2800"/>
+              <a:t>In Code</a:t>
+            </a:r>
+          </a:p>
+        </p:txBody>
+      </p:sp>
+      <p:cxnSp>
+        <p:nvCxnSpPr>
+          <p:cNvPr id="11" name="Straight Connector 10">
+            <a:extLst>
+              <a:ext uri="{FF2B5EF4-FFF2-40B4-BE49-F238E27FC236}">
+                <a16:creationId xmlns:a16="http://schemas.microsoft.com/office/drawing/2014/main" id="{373AAE2E-5D6B-4952-A4BB-546C49F8DE4B}"/>
+              </a:ext>
+              <a:ext uri="{C183D7F6-B498-43B3-948B-1728B52AA6E4}">
+                <adec:decorative xmlns:adec="http://schemas.microsoft.com/office/drawing/2017/decorative" val="1"/>
+              </a:ext>
+            </a:extLst>
+          </p:cNvPr>
+          <p:cNvCxnSpPr>
+            <a:cxnSpLocks noGrp="1" noRot="1" noChangeAspect="1" noMove="1" noResize="1" noEditPoints="1" noAdjustHandles="1" noChangeArrowheads="1" noChangeShapeType="1"/>
+          </p:cNvCxnSpPr>
+          <p:nvPr>
+            <p:extLst>
+              <p:ext uri="{386F3935-93C4-4BCD-93E2-E3B085C9AB24}">
+                <p16:designElem xmlns:p16="http://schemas.microsoft.com/office/powerpoint/2015/main" val="1"/>
+              </p:ext>
+            </p:extLst>
+          </p:nvPr>
+        </p:nvCxnSpPr>
+        <p:spPr>
+          <a:xfrm>
+            <a:off x="1451579" y="1853754"/>
+            <a:ext cx="4325112" cy="0"/>
+          </a:xfrm>
+          <a:prstGeom prst="line">
+            <a:avLst/>
+          </a:prstGeom>
+          <a:ln w="31750"/>
+        </p:spPr>
+        <p:style>
+          <a:lnRef idx="3">
+            <a:schemeClr val="accent1"/>
+          </a:lnRef>
+          <a:fillRef idx="0">
+            <a:schemeClr val="accent1"/>
+          </a:fillRef>
+          <a:effectRef idx="2">
+            <a:schemeClr val="accent1"/>
+          </a:effectRef>
+          <a:fontRef idx="minor">
+            <a:schemeClr val="tx1"/>
+          </a:fontRef>
+        </p:style>
+      </p:cxnSp>
+      <p:sp>
+        <p:nvSpPr>
+          <p:cNvPr id="13" name="Rectangle 12">
+            <a:extLst>
+              <a:ext uri="{FF2B5EF4-FFF2-40B4-BE49-F238E27FC236}">
+                <a16:creationId xmlns:a16="http://schemas.microsoft.com/office/drawing/2014/main" id="{01E4D783-AD45-49E7-B6C7-BBACB8290688}"/>
+              </a:ext>
+              <a:ext uri="{C183D7F6-B498-43B3-948B-1728B52AA6E4}">
+                <adec:decorative xmlns:adec="http://schemas.microsoft.com/office/drawing/2017/decorative" val="1"/>
+              </a:ext>
+            </a:extLst>
+          </p:cNvPr>
+          <p:cNvSpPr>
+            <a:spLocks noGrp="1" noRot="1" noChangeAspect="1" noMove="1" noResize="1" noEditPoints="1" noAdjustHandles="1" noChangeArrowheads="1" noChangeShapeType="1" noTextEdit="1"/>
+          </p:cNvSpPr>
+          <p:nvPr>
+            <p:extLst>
+              <p:ext uri="{386F3935-93C4-4BCD-93E2-E3B085C9AB24}">
+                <p16:designElem xmlns:p16="http://schemas.microsoft.com/office/powerpoint/2015/main" val="1"/>
+              </p:ext>
+            </p:extLst>
+          </p:nvPr>
+        </p:nvSpPr>
+        <p:spPr>
+          <a:xfrm>
+            <a:off x="0" y="2019476"/>
+            <a:ext cx="12192000" cy="4838524"/>
+          </a:xfrm>
+          <a:prstGeom prst="rect">
+            <a:avLst/>
+          </a:prstGeom>
+          <a:gradFill flip="none" rotWithShape="1">
+            <a:gsLst>
+              <a:gs pos="0">
+                <a:schemeClr val="bg2">
+                  <a:alpha val="0"/>
+                </a:schemeClr>
+              </a:gs>
+              <a:gs pos="100000">
+                <a:schemeClr val="bg2"/>
+              </a:gs>
+            </a:gsLst>
+            <a:lin ang="5400000" scaled="0"/>
+            <a:tileRect/>
+          </a:gradFill>
+          <a:ln>
+            <a:noFill/>
+          </a:ln>
+        </p:spPr>
+        <p:style>
+          <a:lnRef idx="2">
+            <a:schemeClr val="accent1">
+              <a:shade val="50000"/>
+            </a:schemeClr>
+          </a:lnRef>
+          <a:fillRef idx="1">
+            <a:schemeClr val="accent1"/>
+          </a:fillRef>
+          <a:effectRef idx="0">
+            <a:schemeClr val="accent1"/>
+          </a:effectRef>
+          <a:fontRef idx="minor">
+            <a:schemeClr val="lt1"/>
+          </a:fontRef>
+        </p:style>
+        <p:txBody>
+          <a:bodyPr rtlCol="0" anchor="ctr"/>
+          <a:lstStyle/>
+          <a:p>
+            <a:pPr lvl="0" algn="ctr"/>
+            <a:endParaRPr lang="en-US"/>
+          </a:p>
+        </p:txBody>
+      </p:sp>
+      <p:sp>
+        <p:nvSpPr>
+          <p:cNvPr id="3" name="Content Placeholder 2">
+            <a:extLst>
+              <a:ext uri="{FF2B5EF4-FFF2-40B4-BE49-F238E27FC236}">
+                <a16:creationId xmlns:a16="http://schemas.microsoft.com/office/drawing/2014/main" id="{CEE0BF71-4DB0-3A89-14A1-57876CF6E4AC}"/>
+              </a:ext>
+            </a:extLst>
+          </p:cNvPr>
+          <p:cNvSpPr>
+            <a:spLocks noGrp="1"/>
+          </p:cNvSpPr>
+          <p:nvPr>
+            <p:ph idx="1"/>
+          </p:nvPr>
+        </p:nvSpPr>
+        <p:spPr>
+          <a:xfrm>
+            <a:off x="337931" y="1853754"/>
+            <a:ext cx="5438762" cy="4781815"/>
+          </a:xfrm>
+        </p:spPr>
+        <p:txBody>
+          <a:bodyPr>
+            <a:normAutofit/>
+          </a:bodyPr>
+          <a:lstStyle/>
+          <a:p>
+            <a:r>
+              <a:rPr lang="en-US" dirty="0"/>
+              <a:t>Here’s a nested example in code. </a:t>
+            </a:r>
+          </a:p>
+          <a:p>
+            <a:r>
+              <a:rPr lang="en-US" dirty="0"/>
+              <a:t>Each for loop declaration specifies:</a:t>
+            </a:r>
+          </a:p>
+          <a:p>
+            <a:pPr lvl="1"/>
+            <a:r>
+              <a:rPr lang="en-US" dirty="0"/>
+              <a:t>The data structure we’re looping over (after the “in”). </a:t>
+            </a:r>
+          </a:p>
+          <a:p>
+            <a:pPr lvl="1"/>
+            <a:r>
+              <a:rPr lang="en-US" dirty="0"/>
+              <a:t>The name of the specific object we grab each time (before the ”in”). </a:t>
+            </a:r>
+          </a:p>
+          <a:p>
+            <a:r>
+              <a:rPr lang="en-US" dirty="0"/>
+              <a:t>We do the thing in the body. </a:t>
+            </a:r>
+          </a:p>
+          <a:p>
+            <a:r>
+              <a:rPr lang="en-US" dirty="0"/>
+              <a:t>We don’t need to manually update a counter (unless we need it for something else). </a:t>
+            </a:r>
+          </a:p>
+          <a:p>
+            <a:pPr lvl="1"/>
+            <a:r>
+              <a:rPr lang="en-US" dirty="0"/>
+              <a:t>The loop manages progress automatically. </a:t>
+            </a:r>
+          </a:p>
+          <a:p>
+            <a:pPr lvl="1"/>
+            <a:r>
+              <a:rPr lang="en-US" dirty="0"/>
+              <a:t>One less thing that can fail. </a:t>
+            </a:r>
+          </a:p>
+        </p:txBody>
+      </p:sp>
+      <p:pic>
+        <p:nvPicPr>
+          <p:cNvPr id="4" name="Picture 3">
+            <a:extLst>
+              <a:ext uri="{FF2B5EF4-FFF2-40B4-BE49-F238E27FC236}">
+                <a16:creationId xmlns:a16="http://schemas.microsoft.com/office/drawing/2014/main" id="{8E944951-564D-1CD8-1BC6-64361FA6BA72}"/>
+              </a:ext>
+            </a:extLst>
+          </p:cNvPr>
+          <p:cNvPicPr>
+            <a:picLocks noChangeAspect="1"/>
+          </p:cNvPicPr>
+          <p:nvPr/>
+        </p:nvPicPr>
+        <p:blipFill>
+          <a:blip r:embed="rId2"/>
+          <a:stretch>
+            <a:fillRect/>
+          </a:stretch>
+        </p:blipFill>
+        <p:spPr>
+          <a:xfrm>
+            <a:off x="6437150" y="10119"/>
+            <a:ext cx="5764146" cy="6625456"/>
+          </a:xfrm>
+          <a:prstGeom prst="rect">
+            <a:avLst/>
+          </a:prstGeom>
+        </p:spPr>
+      </p:pic>
+    </p:spTree>
+    <p:extLst>
+      <p:ext uri="{BB962C8B-B14F-4D97-AF65-F5344CB8AC3E}">
+        <p14:creationId xmlns:p14="http://schemas.microsoft.com/office/powerpoint/2010/main" val="2642633474"/>
+      </p:ext>
+    </p:extLst>
+  </p:cSld>
+  <p:clrMapOvr>
+    <a:masterClrMapping/>
+  </p:clrMapOvr>
+</p:sld>
+</file>
+
+<file path=ppt/slides/slide15.xml><?xml version="1.0" encoding="utf-8"?>
 <p:sld xmlns:a="http://schemas.openxmlformats.org/drawingml/2006/main" xmlns:r="http://schemas.openxmlformats.org/officeDocument/2006/relationships" xmlns:p="http://schemas.openxmlformats.org/presentationml/2006/main">
   <p:cSld>
     <p:spTree>
@@ -4730,7 +4976,7 @@
           <p:cNvPr id="2" name="Title 1">
             <a:extLst>
               <a:ext uri="{FF2B5EF4-FFF2-40B4-BE49-F238E27FC236}">
-                <a16:creationId xmlns:a16="http://schemas.microsoft.com/office/drawing/2014/main" id="{039C3146-1CF1-98AD-5F6A-E695C6E6C1DC}"/>
+                <a16:creationId xmlns:a16="http://schemas.microsoft.com/office/drawing/2014/main" id="{4E2BD8DE-3A15-BA17-3B67-6AC6E54614AE}"/>
               </a:ext>
             </a:extLst>
           </p:cNvPr>
@@ -4748,7 +4994,7 @@
           <a:p>
             <a:r>
               <a:rPr lang="en-US" dirty="0"/>
-              <a:t>While Loop Syntax</a:t>
+              <a:t>Loop Control Statements</a:t>
             </a:r>
           </a:p>
         </p:txBody>
@@ -4758,7 +5004,7 @@
           <p:cNvPr id="3" name="Content Placeholder 2">
             <a:extLst>
               <a:ext uri="{FF2B5EF4-FFF2-40B4-BE49-F238E27FC236}">
-                <a16:creationId xmlns:a16="http://schemas.microsoft.com/office/drawing/2014/main" id="{10E74625-E97E-5119-55DE-DC1D5E3EFCCD}"/>
+                <a16:creationId xmlns:a16="http://schemas.microsoft.com/office/drawing/2014/main" id="{8FA9A670-3DF7-7A3A-846F-FF9DBC42773F}"/>
               </a:ext>
             </a:extLst>
           </p:cNvPr>
@@ -4771,60 +5017,67 @@
         </p:nvSpPr>
         <p:spPr>
           <a:xfrm>
-            <a:off x="675861" y="1853753"/>
-            <a:ext cx="5848506" cy="4199727"/>
-          </a:xfrm>
-        </p:spPr>
-        <p:txBody>
-          <a:bodyPr>
-            <a:normAutofit lnSpcReduction="10000"/>
-          </a:bodyPr>
-          <a:lstStyle/>
-          <a:p>
-            <a:r>
-              <a:rPr lang="en-US" dirty="0"/>
-              <a:t>The structure of a while loop is very similar to an “if”. </a:t>
-            </a:r>
-          </a:p>
-          <a:p>
-            <a:r>
-              <a:rPr lang="en-US" dirty="0"/>
-              <a:t>Indentation denotes the body of the loop. </a:t>
-            </a:r>
-          </a:p>
-          <a:p>
-            <a:r>
-              <a:rPr lang="en-US" dirty="0"/>
-              <a:t>While loops require that you manage the condition on your own. </a:t>
-            </a:r>
-          </a:p>
-          <a:p>
-            <a:r>
-              <a:rPr lang="en-US" dirty="0"/>
-              <a:t>Print statements that tell you which execution you’re in are helpful to debug. </a:t>
-            </a:r>
-          </a:p>
-          <a:p>
-            <a:r>
-              <a:rPr lang="en-US" dirty="0"/>
-              <a:t>Loops can be Infinite, or non-terminating, so make sure your condition makes sense.</a:t>
+            <a:off x="111212" y="2015732"/>
+            <a:ext cx="9144000" cy="3818538"/>
+          </a:xfrm>
+        </p:spPr>
+        <p:txBody>
+          <a:bodyPr/>
+          <a:lstStyle/>
+          <a:p>
+            <a:r>
+              <a:rPr lang="en-US" dirty="0"/>
+              <a:t>There are also a handful of loop control statements that are less common. </a:t>
             </a:r>
           </a:p>
           <a:p>
             <a:pPr lvl="1"/>
             <a:r>
               <a:rPr lang="en-US" dirty="0"/>
-              <a:t>If there’s a counter, make sure it updates. </a:t>
+              <a:t>Break – stop the loop’s operation. </a:t>
+            </a:r>
+          </a:p>
+          <a:p>
+            <a:pPr lvl="1"/>
+            <a:r>
+              <a:rPr lang="en-US" dirty="0"/>
+              <a:t>Pass – do nothing and keep going. Often seen with unimplemented features. </a:t>
+            </a:r>
+          </a:p>
+          <a:p>
+            <a:pPr lvl="1"/>
+            <a:r>
+              <a:rPr lang="en-US" dirty="0"/>
+              <a:t>Continue – skip the current iteration and continue looping at the next iteration. </a:t>
+            </a:r>
+          </a:p>
+          <a:p>
+            <a:r>
+              <a:rPr lang="en-US" dirty="0"/>
+              <a:t>These statements are less common but can be very useful on occasion. </a:t>
+            </a:r>
+          </a:p>
+          <a:p>
+            <a:pPr lvl="1"/>
+            <a:r>
+              <a:rPr lang="en-US" dirty="0"/>
+              <a:t>Can provide one-off differences from the normal condition of the loop. </a:t>
+            </a:r>
+          </a:p>
+          <a:p>
+            <a:r>
+              <a:rPr lang="en-US" dirty="0"/>
+              <a:t>“If some special case, then override the loop condition”. </a:t>
             </a:r>
           </a:p>
         </p:txBody>
       </p:sp>
       <p:pic>
         <p:nvPicPr>
-          <p:cNvPr id="2050" name="Picture 2" descr="While loops in Python">
+          <p:cNvPr id="2050" name="Picture 2" descr="Python break and continue (With Examples)">
             <a:extLst>
               <a:ext uri="{FF2B5EF4-FFF2-40B4-BE49-F238E27FC236}">
-                <a16:creationId xmlns:a16="http://schemas.microsoft.com/office/drawing/2014/main" id="{6E360B07-B232-D8CC-1509-518AD223DC82}"/>
+                <a16:creationId xmlns:a16="http://schemas.microsoft.com/office/drawing/2014/main" id="{A30AC92E-954A-CE57-F3BC-9DC2DA8A45E0}"/>
               </a:ext>
             </a:extLst>
           </p:cNvPr>
@@ -4841,13 +5094,13 @@
               </a:ext>
             </a:extLst>
           </a:blip>
-          <a:srcRect l="22857" t="6310" r="25598" b="16085"/>
+          <a:srcRect r="26422"/>
           <a:stretch/>
         </p:blipFill>
         <p:spPr bwMode="auto">
           <a:xfrm>
-            <a:off x="6524367" y="2015732"/>
-            <a:ext cx="5498757" cy="4661826"/>
+            <a:off x="9069860" y="1853754"/>
+            <a:ext cx="3010930" cy="4380125"/>
           </a:xfrm>
           <a:prstGeom prst="rect">
             <a:avLst/>
@@ -4867,7 +5120,1550 @@
     </p:spTree>
     <p:extLst>
       <p:ext uri="{BB962C8B-B14F-4D97-AF65-F5344CB8AC3E}">
-        <p14:creationId xmlns:p14="http://schemas.microsoft.com/office/powerpoint/2010/main" val="1927239041"/>
+        <p14:creationId xmlns:p14="http://schemas.microsoft.com/office/powerpoint/2010/main" val="508724627"/>
+      </p:ext>
+    </p:extLst>
+  </p:cSld>
+  <p:clrMapOvr>
+    <a:masterClrMapping/>
+  </p:clrMapOvr>
+</p:sld>
+</file>
+
+<file path=ppt/slides/slide16.xml><?xml version="1.0" encoding="utf-8"?>
+<p:sld xmlns:a="http://schemas.openxmlformats.org/drawingml/2006/main" xmlns:r="http://schemas.openxmlformats.org/officeDocument/2006/relationships" xmlns:p="http://schemas.openxmlformats.org/presentationml/2006/main">
+  <p:cSld>
+    <p:spTree>
+      <p:nvGrpSpPr>
+        <p:cNvPr id="1" name=""/>
+        <p:cNvGrpSpPr/>
+        <p:nvPr/>
+      </p:nvGrpSpPr>
+      <p:grpSpPr>
+        <a:xfrm>
+          <a:off x="0" y="0"/>
+          <a:ext cx="0" cy="0"/>
+          <a:chOff x="0" y="0"/>
+          <a:chExt cx="0" cy="0"/>
+        </a:xfrm>
+      </p:grpSpPr>
+      <p:sp>
+        <p:nvSpPr>
+          <p:cNvPr id="2" name="Title 1">
+            <a:extLst>
+              <a:ext uri="{FF2B5EF4-FFF2-40B4-BE49-F238E27FC236}">
+                <a16:creationId xmlns:a16="http://schemas.microsoft.com/office/drawing/2014/main" id="{7E9D26FA-A275-DEC1-F670-5EA107B1A3BF}"/>
+              </a:ext>
+            </a:extLst>
+          </p:cNvPr>
+          <p:cNvSpPr>
+            <a:spLocks noGrp="1"/>
+          </p:cNvSpPr>
+          <p:nvPr>
+            <p:ph type="title"/>
+          </p:nvPr>
+        </p:nvSpPr>
+        <p:spPr/>
+        <p:txBody>
+          <a:bodyPr/>
+          <a:lstStyle/>
+          <a:p>
+            <a:r>
+              <a:rPr lang="en-US" dirty="0"/>
+              <a:t>Control the Flow</a:t>
+            </a:r>
+          </a:p>
+        </p:txBody>
+      </p:sp>
+      <p:sp>
+        <p:nvSpPr>
+          <p:cNvPr id="3" name="Content Placeholder 2">
+            <a:extLst>
+              <a:ext uri="{FF2B5EF4-FFF2-40B4-BE49-F238E27FC236}">
+                <a16:creationId xmlns:a16="http://schemas.microsoft.com/office/drawing/2014/main" id="{1398C092-5B98-9490-A467-856CCD92B99A}"/>
+              </a:ext>
+            </a:extLst>
+          </p:cNvPr>
+          <p:cNvSpPr>
+            <a:spLocks noGrp="1"/>
+          </p:cNvSpPr>
+          <p:nvPr>
+            <p:ph idx="1"/>
+          </p:nvPr>
+        </p:nvSpPr>
+        <p:spPr>
+          <a:xfrm>
+            <a:off x="1451579" y="1908893"/>
+            <a:ext cx="9603275" cy="4144587"/>
+          </a:xfrm>
+        </p:spPr>
+        <p:txBody>
+          <a:bodyPr/>
+          <a:lstStyle/>
+          <a:p>
+            <a:r>
+              <a:rPr lang="en-US" dirty="0"/>
+              <a:t>Between ifs and loops we can write code that can ‘flow’ however we need. </a:t>
+            </a:r>
+          </a:p>
+          <a:p>
+            <a:pPr lvl="1"/>
+            <a:r>
+              <a:rPr lang="en-US" dirty="0"/>
+              <a:t>If statements control what we do, based on some input (value of variables, input captured from user, incoming data from outside connection, </a:t>
+            </a:r>
+            <a:r>
+              <a:rPr lang="en-US" dirty="0" err="1"/>
+              <a:t>etc</a:t>
+            </a:r>
+            <a:r>
+              <a:rPr lang="en-US" dirty="0"/>
+              <a:t>…)</a:t>
+            </a:r>
+          </a:p>
+          <a:p>
+            <a:pPr lvl="1"/>
+            <a:r>
+              <a:rPr lang="en-US" dirty="0"/>
+              <a:t>Loop statements allow us to repeat actions – do it for each object in a collection, repeat up until some specified time, keep going until something happens (common in a GUI – sit in this loop until a button press takes up to some other action). </a:t>
+            </a:r>
+          </a:p>
+          <a:p>
+            <a:r>
+              <a:rPr lang="en-US" dirty="0"/>
+              <a:t>These control devices are a prime spot for bugs – especially around cutoffs. </a:t>
+            </a:r>
+          </a:p>
+          <a:p>
+            <a:r>
+              <a:rPr lang="en-US" dirty="0"/>
+              <a:t>Build logic in pseudocode, then map to actual code. </a:t>
+            </a:r>
+          </a:p>
+          <a:p>
+            <a:pPr lvl="1"/>
+            <a:r>
+              <a:rPr lang="en-US" dirty="0"/>
+              <a:t>We can use these simple things to make complex actions – it’s easier to deal with the logic and code separately, especially if the code part is confusing. </a:t>
+            </a:r>
+          </a:p>
+        </p:txBody>
+      </p:sp>
+    </p:spTree>
+    <p:extLst>
+      <p:ext uri="{BB962C8B-B14F-4D97-AF65-F5344CB8AC3E}">
+        <p14:creationId xmlns:p14="http://schemas.microsoft.com/office/powerpoint/2010/main" val="2173414008"/>
+      </p:ext>
+    </p:extLst>
+  </p:cSld>
+  <p:clrMapOvr>
+    <a:masterClrMapping/>
+  </p:clrMapOvr>
+</p:sld>
+</file>
+
+<file path=ppt/slides/slide17.xml><?xml version="1.0" encoding="utf-8"?>
+<p:sld xmlns:a="http://schemas.openxmlformats.org/drawingml/2006/main" xmlns:r="http://schemas.openxmlformats.org/officeDocument/2006/relationships" xmlns:p="http://schemas.openxmlformats.org/presentationml/2006/main">
+  <p:cSld>
+    <p:spTree>
+      <p:nvGrpSpPr>
+        <p:cNvPr id="1" name=""/>
+        <p:cNvGrpSpPr/>
+        <p:nvPr/>
+      </p:nvGrpSpPr>
+      <p:grpSpPr>
+        <a:xfrm>
+          <a:off x="0" y="0"/>
+          <a:ext cx="0" cy="0"/>
+          <a:chOff x="0" y="0"/>
+          <a:chExt cx="0" cy="0"/>
+        </a:xfrm>
+      </p:grpSpPr>
+      <p:sp>
+        <p:nvSpPr>
+          <p:cNvPr id="2" name="Title 1">
+            <a:extLst>
+              <a:ext uri="{FF2B5EF4-FFF2-40B4-BE49-F238E27FC236}">
+                <a16:creationId xmlns:a16="http://schemas.microsoft.com/office/drawing/2014/main" id="{96596181-64C3-1A29-D589-312656EAC5A5}"/>
+              </a:ext>
+            </a:extLst>
+          </p:cNvPr>
+          <p:cNvSpPr>
+            <a:spLocks noGrp="1"/>
+          </p:cNvSpPr>
+          <p:nvPr>
+            <p:ph type="title"/>
+          </p:nvPr>
+        </p:nvSpPr>
+        <p:spPr/>
+        <p:txBody>
+          <a:bodyPr/>
+          <a:lstStyle/>
+          <a:p>
+            <a:r>
+              <a:rPr lang="en-US" dirty="0"/>
+              <a:t>Loop Concerns</a:t>
+            </a:r>
+          </a:p>
+        </p:txBody>
+      </p:sp>
+      <p:sp>
+        <p:nvSpPr>
+          <p:cNvPr id="3" name="Content Placeholder 2">
+            <a:extLst>
+              <a:ext uri="{FF2B5EF4-FFF2-40B4-BE49-F238E27FC236}">
+                <a16:creationId xmlns:a16="http://schemas.microsoft.com/office/drawing/2014/main" id="{A6ED542A-D6DD-DC93-4D35-985AC3961276}"/>
+              </a:ext>
+            </a:extLst>
+          </p:cNvPr>
+          <p:cNvSpPr>
+            <a:spLocks noGrp="1"/>
+          </p:cNvSpPr>
+          <p:nvPr>
+            <p:ph idx="1"/>
+          </p:nvPr>
+        </p:nvSpPr>
+        <p:spPr>
+          <a:xfrm>
+            <a:off x="1451579" y="1853754"/>
+            <a:ext cx="9603275" cy="4199727"/>
+          </a:xfrm>
+        </p:spPr>
+        <p:txBody>
+          <a:bodyPr>
+            <a:normAutofit lnSpcReduction="10000"/>
+          </a:bodyPr>
+          <a:lstStyle/>
+          <a:p>
+            <a:r>
+              <a:rPr lang="en-US" dirty="0"/>
+              <a:t>Loops can also introduce errors to our code pretty easily. </a:t>
+            </a:r>
+          </a:p>
+          <a:p>
+            <a:r>
+              <a:rPr lang="en-US" dirty="0"/>
+              <a:t>Some common concerns that we should think to test for are:</a:t>
+            </a:r>
+          </a:p>
+          <a:p>
+            <a:pPr lvl="1"/>
+            <a:r>
+              <a:rPr lang="en-US" dirty="0"/>
+              <a:t>Correct number of executions - +/- 1, first and last items captured, infinite execution, invalid item in collection.  </a:t>
+            </a:r>
+          </a:p>
+          <a:p>
+            <a:r>
+              <a:rPr lang="en-US" dirty="0"/>
+              <a:t>Print statements are the easy way to debug. </a:t>
+            </a:r>
+          </a:p>
+          <a:p>
+            <a:pPr lvl="1"/>
+            <a:r>
+              <a:rPr lang="en-US" dirty="0"/>
+              <a:t>Print loop number, key values, other things that matter. </a:t>
+            </a:r>
+          </a:p>
+          <a:p>
+            <a:pPr lvl="1"/>
+            <a:r>
+              <a:rPr lang="en-US" dirty="0"/>
+              <a:t>Can be every loop, every X loops, or some critical values like first/last. </a:t>
+            </a:r>
+          </a:p>
+          <a:p>
+            <a:r>
+              <a:rPr lang="en-US" dirty="0"/>
+              <a:t>Nested loops especially can explode in run time. </a:t>
+            </a:r>
+          </a:p>
+          <a:p>
+            <a:pPr lvl="1"/>
+            <a:r>
+              <a:rPr lang="en-US" dirty="0"/>
+              <a:t>Particularly when we have large machine learning datasets. </a:t>
+            </a:r>
+          </a:p>
+          <a:p>
+            <a:pPr lvl="1"/>
+            <a:r>
+              <a:rPr lang="en-US" dirty="0"/>
+              <a:t>One of the few things we really need to consider for efficiency…</a:t>
+            </a:r>
+          </a:p>
+        </p:txBody>
+      </p:sp>
+    </p:spTree>
+    <p:extLst>
+      <p:ext uri="{BB962C8B-B14F-4D97-AF65-F5344CB8AC3E}">
+        <p14:creationId xmlns:p14="http://schemas.microsoft.com/office/powerpoint/2010/main" val="2179936599"/>
+      </p:ext>
+    </p:extLst>
+  </p:cSld>
+  <p:clrMapOvr>
+    <a:masterClrMapping/>
+  </p:clrMapOvr>
+</p:sld>
+</file>
+
+<file path=ppt/slides/slide18.xml><?xml version="1.0" encoding="utf-8"?>
+<p:sld xmlns:a="http://schemas.openxmlformats.org/drawingml/2006/main" xmlns:r="http://schemas.openxmlformats.org/officeDocument/2006/relationships" xmlns:p="http://schemas.openxmlformats.org/presentationml/2006/main">
+  <p:cSld>
+    <p:bg>
+      <p:bgPr>
+        <a:gradFill rotWithShape="1">
+          <a:gsLst>
+            <a:gs pos="0">
+              <a:schemeClr val="bg2">
+                <a:tint val="94000"/>
+                <a:satMod val="80000"/>
+                <a:lumMod val="106000"/>
+              </a:schemeClr>
+            </a:gs>
+            <a:gs pos="100000">
+              <a:schemeClr val="bg2">
+                <a:shade val="80000"/>
+              </a:schemeClr>
+            </a:gs>
+          </a:gsLst>
+          <a:path path="circle">
+            <a:fillToRect l="43000" r="43000" b="100000"/>
+          </a:path>
+        </a:gradFill>
+        <a:effectLst/>
+      </p:bgPr>
+    </p:bg>
+    <p:spTree>
+      <p:nvGrpSpPr>
+        <p:cNvPr id="1" name=""/>
+        <p:cNvGrpSpPr/>
+        <p:nvPr/>
+      </p:nvGrpSpPr>
+      <p:grpSpPr>
+        <a:xfrm>
+          <a:off x="0" y="0"/>
+          <a:ext cx="0" cy="0"/>
+          <a:chOff x="0" y="0"/>
+          <a:chExt cx="0" cy="0"/>
+        </a:xfrm>
+      </p:grpSpPr>
+      <p:sp>
+        <p:nvSpPr>
+          <p:cNvPr id="2" name="Title 1">
+            <a:extLst>
+              <a:ext uri="{FF2B5EF4-FFF2-40B4-BE49-F238E27FC236}">
+                <a16:creationId xmlns:a16="http://schemas.microsoft.com/office/drawing/2014/main" id="{85FAAAFC-1088-0106-A491-0AA587097E53}"/>
+              </a:ext>
+            </a:extLst>
+          </p:cNvPr>
+          <p:cNvSpPr>
+            <a:spLocks noGrp="1"/>
+          </p:cNvSpPr>
+          <p:nvPr>
+            <p:ph type="title"/>
+          </p:nvPr>
+        </p:nvSpPr>
+        <p:spPr>
+          <a:xfrm>
+            <a:off x="1451579" y="804519"/>
+            <a:ext cx="9603275" cy="1049235"/>
+          </a:xfrm>
+        </p:spPr>
+        <p:txBody>
+          <a:bodyPr>
+            <a:normAutofit/>
+          </a:bodyPr>
+          <a:lstStyle/>
+          <a:p>
+            <a:r>
+              <a:rPr lang="en-US" dirty="0"/>
+              <a:t>O-Notation</a:t>
+            </a:r>
+          </a:p>
+        </p:txBody>
+      </p:sp>
+      <p:sp>
+        <p:nvSpPr>
+          <p:cNvPr id="3" name="Content Placeholder 2">
+            <a:extLst>
+              <a:ext uri="{FF2B5EF4-FFF2-40B4-BE49-F238E27FC236}">
+                <a16:creationId xmlns:a16="http://schemas.microsoft.com/office/drawing/2014/main" id="{8E4F0EF2-E1F9-4A25-BC81-2B0CE493FEC7}"/>
+              </a:ext>
+            </a:extLst>
+          </p:cNvPr>
+          <p:cNvSpPr>
+            <a:spLocks noGrp="1"/>
+          </p:cNvSpPr>
+          <p:nvPr>
+            <p:ph idx="1"/>
+          </p:nvPr>
+        </p:nvSpPr>
+        <p:spPr>
+          <a:xfrm>
+            <a:off x="86497" y="1853754"/>
+            <a:ext cx="5527637" cy="4162865"/>
+          </a:xfrm>
+        </p:spPr>
+        <p:txBody>
+          <a:bodyPr>
+            <a:normAutofit fontScale="92500" lnSpcReduction="20000"/>
+          </a:bodyPr>
+          <a:lstStyle/>
+          <a:p>
+            <a:r>
+              <a:rPr lang="en-US" dirty="0"/>
+              <a:t>O Notation or Big O Notation is a way to express a rough estimate of speed of an algorithm. </a:t>
+            </a:r>
+          </a:p>
+          <a:p>
+            <a:pPr lvl="1"/>
+            <a:r>
+              <a:rPr lang="en-US" dirty="0"/>
+              <a:t>Algorithm – set of steps to achieve a goal. </a:t>
+            </a:r>
+          </a:p>
+          <a:p>
+            <a:r>
+              <a:rPr lang="en-US" dirty="0"/>
+              <a:t>We don’t need to memorize this, but it is a good way to start to consider efficiency when we are looping over massive things many times. </a:t>
+            </a:r>
+          </a:p>
+          <a:p>
+            <a:pPr lvl="1"/>
+            <a:r>
+              <a:rPr lang="en-US" dirty="0"/>
+              <a:t>Care mainly with large data sets, such as NN. </a:t>
+            </a:r>
+          </a:p>
+          <a:p>
+            <a:r>
+              <a:rPr lang="en-US" dirty="0"/>
+              <a:t>O(1) – it take the same time no matter what. </a:t>
+            </a:r>
+          </a:p>
+          <a:p>
+            <a:r>
+              <a:rPr lang="en-US" dirty="0"/>
+              <a:t>O(n) – it take the same time for each item. </a:t>
+            </a:r>
+          </a:p>
+          <a:p>
+            <a:r>
+              <a:rPr lang="en-US" dirty="0"/>
+              <a:t>O(n2) – it takes time times time. Nested linear. </a:t>
+            </a:r>
+          </a:p>
+          <a:p>
+            <a:r>
+              <a:rPr lang="en-US" dirty="0"/>
+              <a:t>O(2n) – it takes time to the time. Find all subsets. </a:t>
+            </a:r>
+          </a:p>
+        </p:txBody>
+      </p:sp>
+      <p:pic>
+        <p:nvPicPr>
+          <p:cNvPr id="5122" name="Picture 2" descr="Big O Notation: What Is It?. Note that when evaluating the… | by Mohit  Varikuti | Towards AI">
+            <a:extLst>
+              <a:ext uri="{FF2B5EF4-FFF2-40B4-BE49-F238E27FC236}">
+                <a16:creationId xmlns:a16="http://schemas.microsoft.com/office/drawing/2014/main" id="{69A8AC54-DA02-9163-EE3E-91FC5DD39031}"/>
+              </a:ext>
+            </a:extLst>
+          </p:cNvPr>
+          <p:cNvPicPr>
+            <a:picLocks noChangeAspect="1" noChangeArrowheads="1"/>
+          </p:cNvPicPr>
+          <p:nvPr/>
+        </p:nvPicPr>
+        <p:blipFill>
+          <a:blip r:embed="rId2">
+            <a:extLst>
+              <a:ext uri="{28A0092B-C50C-407E-A947-70E740481C1C}">
+                <a14:useLocalDpi xmlns:a14="http://schemas.microsoft.com/office/drawing/2010/main" val="0"/>
+              </a:ext>
+            </a:extLst>
+          </a:blip>
+          <a:stretch>
+            <a:fillRect/>
+          </a:stretch>
+        </p:blipFill>
+        <p:spPr bwMode="auto">
+          <a:xfrm>
+            <a:off x="5614134" y="1890616"/>
+            <a:ext cx="6632017" cy="4162865"/>
+          </a:xfrm>
+          <a:prstGeom prst="rect">
+            <a:avLst/>
+          </a:prstGeom>
+          <a:noFill/>
+          <a:extLst>
+            <a:ext uri="{909E8E84-426E-40DD-AFC4-6F175D3DCCD1}">
+              <a14:hiddenFill xmlns:a14="http://schemas.microsoft.com/office/drawing/2010/main">
+                <a:solidFill>
+                  <a:srgbClr val="FFFFFF"/>
+                </a:solidFill>
+              </a14:hiddenFill>
+            </a:ext>
+          </a:extLst>
+        </p:spPr>
+      </p:pic>
+    </p:spTree>
+    <p:extLst>
+      <p:ext uri="{BB962C8B-B14F-4D97-AF65-F5344CB8AC3E}">
+        <p14:creationId xmlns:p14="http://schemas.microsoft.com/office/powerpoint/2010/main" val="2071656244"/>
+      </p:ext>
+    </p:extLst>
+  </p:cSld>
+  <p:clrMapOvr>
+    <a:masterClrMapping/>
+  </p:clrMapOvr>
+</p:sld>
+</file>
+
+<file path=ppt/slides/slide19.xml><?xml version="1.0" encoding="utf-8"?>
+<p:sld xmlns:a="http://schemas.openxmlformats.org/drawingml/2006/main" xmlns:r="http://schemas.openxmlformats.org/officeDocument/2006/relationships" xmlns:p="http://schemas.openxmlformats.org/presentationml/2006/main">
+  <p:cSld>
+    <p:spTree>
+      <p:nvGrpSpPr>
+        <p:cNvPr id="1" name=""/>
+        <p:cNvGrpSpPr/>
+        <p:nvPr/>
+      </p:nvGrpSpPr>
+      <p:grpSpPr>
+        <a:xfrm>
+          <a:off x="0" y="0"/>
+          <a:ext cx="0" cy="0"/>
+          <a:chOff x="0" y="0"/>
+          <a:chExt cx="0" cy="0"/>
+        </a:xfrm>
+      </p:grpSpPr>
+      <p:sp>
+        <p:nvSpPr>
+          <p:cNvPr id="2" name="Title 1">
+            <a:extLst>
+              <a:ext uri="{FF2B5EF4-FFF2-40B4-BE49-F238E27FC236}">
+                <a16:creationId xmlns:a16="http://schemas.microsoft.com/office/drawing/2014/main" id="{1E7921F2-9163-E24B-0E80-B54308D02690}"/>
+              </a:ext>
+            </a:extLst>
+          </p:cNvPr>
+          <p:cNvSpPr>
+            <a:spLocks noGrp="1"/>
+          </p:cNvSpPr>
+          <p:nvPr>
+            <p:ph type="title"/>
+          </p:nvPr>
+        </p:nvSpPr>
+        <p:spPr/>
+        <p:txBody>
+          <a:bodyPr/>
+          <a:lstStyle/>
+          <a:p>
+            <a:r>
+              <a:rPr lang="en-US" dirty="0"/>
+              <a:t>Looping Back</a:t>
+            </a:r>
+          </a:p>
+        </p:txBody>
+      </p:sp>
+      <p:sp>
+        <p:nvSpPr>
+          <p:cNvPr id="3" name="Content Placeholder 2">
+            <a:extLst>
+              <a:ext uri="{FF2B5EF4-FFF2-40B4-BE49-F238E27FC236}">
+                <a16:creationId xmlns:a16="http://schemas.microsoft.com/office/drawing/2014/main" id="{0B8A1080-D366-F9F4-FCB7-13DA335AACC8}"/>
+              </a:ext>
+            </a:extLst>
+          </p:cNvPr>
+          <p:cNvSpPr>
+            <a:spLocks noGrp="1"/>
+          </p:cNvSpPr>
+          <p:nvPr>
+            <p:ph idx="1"/>
+          </p:nvPr>
+        </p:nvSpPr>
+        <p:spPr>
+          <a:xfrm>
+            <a:off x="496957" y="1853754"/>
+            <a:ext cx="11221278" cy="4199727"/>
+          </a:xfrm>
+        </p:spPr>
+        <p:txBody>
+          <a:bodyPr>
+            <a:normAutofit/>
+          </a:bodyPr>
+          <a:lstStyle/>
+          <a:p>
+            <a:r>
+              <a:rPr lang="en-US" dirty="0"/>
+              <a:t>Loops are another tool that will be ubiquitous for us. </a:t>
+            </a:r>
+          </a:p>
+          <a:p>
+            <a:r>
+              <a:rPr lang="en-US" dirty="0"/>
+              <a:t>Loops allow for automatic repetition and completing actions over entire sets of objects. </a:t>
+            </a:r>
+          </a:p>
+          <a:p>
+            <a:r>
+              <a:rPr lang="en-US" dirty="0"/>
+              <a:t>Looping can potentially introduce some concerns:</a:t>
+            </a:r>
+          </a:p>
+          <a:p>
+            <a:pPr lvl="1"/>
+            <a:r>
+              <a:rPr lang="en-US" dirty="0"/>
+              <a:t>Execution time can run away. </a:t>
+            </a:r>
+          </a:p>
+          <a:p>
+            <a:pPr lvl="1"/>
+            <a:r>
+              <a:rPr lang="en-US" dirty="0"/>
+              <a:t>Conditions can be erroneous, especially around edge cases. </a:t>
+            </a:r>
+          </a:p>
+          <a:p>
+            <a:r>
+              <a:rPr lang="en-US" dirty="0"/>
+              <a:t>We have different types of loops, depending on what we’re doing. </a:t>
+            </a:r>
+          </a:p>
+          <a:p>
+            <a:pPr lvl="1"/>
+            <a:r>
+              <a:rPr lang="en-US" dirty="0"/>
+              <a:t>“For” looping through all of something. </a:t>
+            </a:r>
+          </a:p>
+          <a:p>
+            <a:pPr lvl="1"/>
+            <a:r>
+              <a:rPr lang="en-US" dirty="0"/>
+              <a:t>“While” looping until some condition you define. </a:t>
+            </a:r>
+          </a:p>
+          <a:p>
+            <a:pPr lvl="1"/>
+            <a:r>
+              <a:rPr lang="en-US" dirty="0"/>
+              <a:t>They can be made interchangeable, and do the same thing, use whichever is easier to understand. </a:t>
+            </a:r>
+          </a:p>
+        </p:txBody>
+      </p:sp>
+    </p:spTree>
+    <p:extLst>
+      <p:ext uri="{BB962C8B-B14F-4D97-AF65-F5344CB8AC3E}">
+        <p14:creationId xmlns:p14="http://schemas.microsoft.com/office/powerpoint/2010/main" val="3877748916"/>
+      </p:ext>
+    </p:extLst>
+  </p:cSld>
+  <p:clrMapOvr>
+    <a:masterClrMapping/>
+  </p:clrMapOvr>
+</p:sld>
+</file>
+
+<file path=ppt/slides/slide2.xml><?xml version="1.0" encoding="utf-8"?>
+<p:sld xmlns:a="http://schemas.openxmlformats.org/drawingml/2006/main" xmlns:r="http://schemas.openxmlformats.org/officeDocument/2006/relationships" xmlns:p="http://schemas.openxmlformats.org/presentationml/2006/main" show="0">
+  <p:cSld>
+    <p:spTree>
+      <p:nvGrpSpPr>
+        <p:cNvPr id="1" name=""/>
+        <p:cNvGrpSpPr/>
+        <p:nvPr/>
+      </p:nvGrpSpPr>
+      <p:grpSpPr>
+        <a:xfrm>
+          <a:off x="0" y="0"/>
+          <a:ext cx="0" cy="0"/>
+          <a:chOff x="0" y="0"/>
+          <a:chExt cx="0" cy="0"/>
+        </a:xfrm>
+      </p:grpSpPr>
+      <p:sp>
+        <p:nvSpPr>
+          <p:cNvPr id="2" name="Title 1">
+            <a:extLst>
+              <a:ext uri="{FF2B5EF4-FFF2-40B4-BE49-F238E27FC236}">
+                <a16:creationId xmlns:a16="http://schemas.microsoft.com/office/drawing/2014/main" id="{AC5BCD5E-7D6D-6D42-1FE8-BE5C8EB349ED}"/>
+              </a:ext>
+            </a:extLst>
+          </p:cNvPr>
+          <p:cNvSpPr>
+            <a:spLocks noGrp="1"/>
+          </p:cNvSpPr>
+          <p:nvPr>
+            <p:ph type="title"/>
+          </p:nvPr>
+        </p:nvSpPr>
+        <p:spPr/>
+        <p:txBody>
+          <a:bodyPr/>
+          <a:lstStyle/>
+          <a:p>
+            <a:r>
+              <a:rPr lang="en-US" dirty="0"/>
+              <a:t>Housekeeping</a:t>
+            </a:r>
+          </a:p>
+        </p:txBody>
+      </p:sp>
+      <p:sp>
+        <p:nvSpPr>
+          <p:cNvPr id="3" name="Content Placeholder 2">
+            <a:extLst>
+              <a:ext uri="{FF2B5EF4-FFF2-40B4-BE49-F238E27FC236}">
+                <a16:creationId xmlns:a16="http://schemas.microsoft.com/office/drawing/2014/main" id="{5E89CCBA-ABEB-CACE-B404-046F8AC2C86C}"/>
+              </a:ext>
+            </a:extLst>
+          </p:cNvPr>
+          <p:cNvSpPr>
+            <a:spLocks noGrp="1"/>
+          </p:cNvSpPr>
+          <p:nvPr>
+            <p:ph idx="1"/>
+          </p:nvPr>
+        </p:nvSpPr>
+        <p:spPr>
+          <a:xfrm>
+            <a:off x="1451579" y="1853754"/>
+            <a:ext cx="9603275" cy="4278689"/>
+          </a:xfrm>
+        </p:spPr>
+        <p:txBody>
+          <a:bodyPr>
+            <a:normAutofit fontScale="92500" lnSpcReduction="10000"/>
+          </a:bodyPr>
+          <a:lstStyle/>
+          <a:p>
+            <a:r>
+              <a:rPr lang="en-US" dirty="0"/>
+              <a:t>Questions?</a:t>
+            </a:r>
+          </a:p>
+          <a:p>
+            <a:pPr lvl="1"/>
+            <a:r>
+              <a:rPr lang="en-US" dirty="0"/>
+              <a:t>Is anything in other classes (stats) a current sticking point? </a:t>
+            </a:r>
+          </a:p>
+          <a:p>
+            <a:r>
+              <a:rPr lang="en-US" dirty="0"/>
+              <a:t>Lab 1 – we’ll be able to tackle it in its entirety post-functions. Most is OK now. </a:t>
+            </a:r>
+          </a:p>
+          <a:p>
+            <a:pPr lvl="1"/>
+            <a:r>
+              <a:rPr lang="en-US" dirty="0"/>
+              <a:t>Lab 0. Not due. For fun only. I forgot to clear the dates, so it showed in your calendar. </a:t>
+            </a:r>
+          </a:p>
+          <a:p>
+            <a:r>
+              <a:rPr lang="en-US" dirty="0"/>
+              <a:t>Today:</a:t>
+            </a:r>
+          </a:p>
+          <a:p>
+            <a:pPr lvl="1"/>
+            <a:r>
+              <a:rPr lang="en-US" dirty="0"/>
+              <a:t>Looping</a:t>
+            </a:r>
+          </a:p>
+          <a:p>
+            <a:pPr lvl="1"/>
+            <a:r>
+              <a:rPr lang="en-US" dirty="0"/>
+              <a:t>Functions</a:t>
+            </a:r>
+          </a:p>
+          <a:p>
+            <a:pPr lvl="1"/>
+            <a:r>
+              <a:rPr lang="en-US" dirty="0"/>
+              <a:t>Chapters 3 + 7 in text. End of chapters have extra exercises. </a:t>
+            </a:r>
+          </a:p>
+          <a:p>
+            <a:pPr lvl="1"/>
+            <a:r>
+              <a:rPr lang="en-US" dirty="0"/>
+              <a:t>Maybe some file access stuff, depending on time.  </a:t>
+            </a:r>
+          </a:p>
+          <a:p>
+            <a:r>
+              <a:rPr lang="en-US" dirty="0"/>
+              <a:t>By the end of today….</a:t>
+            </a:r>
+          </a:p>
+          <a:p>
+            <a:pPr lvl="1"/>
+            <a:r>
+              <a:rPr lang="en-US" dirty="0"/>
+              <a:t>Comfortable opening/editing/running notebooks. Good with flow control. OK on functions. </a:t>
+            </a:r>
+          </a:p>
+        </p:txBody>
+      </p:sp>
+    </p:spTree>
+    <p:extLst>
+      <p:ext uri="{BB962C8B-B14F-4D97-AF65-F5344CB8AC3E}">
+        <p14:creationId xmlns:p14="http://schemas.microsoft.com/office/powerpoint/2010/main" val="1846090826"/>
+      </p:ext>
+    </p:extLst>
+  </p:cSld>
+  <p:clrMapOvr>
+    <a:masterClrMapping/>
+  </p:clrMapOvr>
+</p:sld>
+</file>
+
+<file path=ppt/slides/slide20.xml><?xml version="1.0" encoding="utf-8"?>
+<p:sld xmlns:a="http://schemas.openxmlformats.org/drawingml/2006/main" xmlns:r="http://schemas.openxmlformats.org/officeDocument/2006/relationships" xmlns:p="http://schemas.openxmlformats.org/presentationml/2006/main">
+  <p:cSld>
+    <p:spTree>
+      <p:nvGrpSpPr>
+        <p:cNvPr id="1" name=""/>
+        <p:cNvGrpSpPr/>
+        <p:nvPr/>
+      </p:nvGrpSpPr>
+      <p:grpSpPr>
+        <a:xfrm>
+          <a:off x="0" y="0"/>
+          <a:ext cx="0" cy="0"/>
+          <a:chOff x="0" y="0"/>
+          <a:chExt cx="0" cy="0"/>
+        </a:xfrm>
+      </p:grpSpPr>
+      <p:sp>
+        <p:nvSpPr>
+          <p:cNvPr id="2" name="Title 1">
+            <a:extLst>
+              <a:ext uri="{FF2B5EF4-FFF2-40B4-BE49-F238E27FC236}">
+                <a16:creationId xmlns:a16="http://schemas.microsoft.com/office/drawing/2014/main" id="{CAF999C7-CDDC-8464-46A5-94E97908115D}"/>
+              </a:ext>
+            </a:extLst>
+          </p:cNvPr>
+          <p:cNvSpPr>
+            <a:spLocks noGrp="1"/>
+          </p:cNvSpPr>
+          <p:nvPr>
+            <p:ph type="title"/>
+          </p:nvPr>
+        </p:nvSpPr>
+        <p:spPr/>
+        <p:txBody>
+          <a:bodyPr/>
+          <a:lstStyle/>
+          <a:p>
+            <a:r>
+              <a:rPr lang="en-US" dirty="0"/>
+              <a:t>Simple Loop Tests</a:t>
+            </a:r>
+          </a:p>
+        </p:txBody>
+      </p:sp>
+      <p:sp>
+        <p:nvSpPr>
+          <p:cNvPr id="3" name="Content Placeholder 2">
+            <a:extLst>
+              <a:ext uri="{FF2B5EF4-FFF2-40B4-BE49-F238E27FC236}">
+                <a16:creationId xmlns:a16="http://schemas.microsoft.com/office/drawing/2014/main" id="{AD6B3F5D-E9BF-2373-D7BB-3475449F0FC0}"/>
+              </a:ext>
+            </a:extLst>
+          </p:cNvPr>
+          <p:cNvSpPr>
+            <a:spLocks noGrp="1"/>
+          </p:cNvSpPr>
+          <p:nvPr>
+            <p:ph idx="1"/>
+          </p:nvPr>
+        </p:nvSpPr>
+        <p:spPr>
+          <a:xfrm>
+            <a:off x="493909" y="1915568"/>
+            <a:ext cx="10560945" cy="4137913"/>
+          </a:xfrm>
+        </p:spPr>
+        <p:txBody>
+          <a:bodyPr>
+            <a:normAutofit lnSpcReduction="10000"/>
+          </a:bodyPr>
+          <a:lstStyle/>
+          <a:p>
+            <a:r>
+              <a:rPr lang="en-US" dirty="0"/>
+              <a:t>Try to write pseudocode, then real code (try these via a loop, not the relevant </a:t>
+            </a:r>
+            <a:r>
+              <a:rPr lang="en-US" dirty="0" err="1"/>
+              <a:t>func</a:t>
+            </a:r>
+            <a:r>
+              <a:rPr lang="en-US" dirty="0"/>
+              <a:t>.)</a:t>
+            </a:r>
+          </a:p>
+          <a:p>
+            <a:r>
+              <a:rPr lang="en-US" dirty="0"/>
+              <a:t>Loop to do running sum and count:</a:t>
+            </a:r>
+          </a:p>
+          <a:p>
+            <a:pPr lvl="1"/>
+            <a:r>
+              <a:rPr lang="en-US" dirty="0"/>
+              <a:t>Input – List of numbers. </a:t>
+            </a:r>
+          </a:p>
+          <a:p>
+            <a:pPr lvl="1"/>
+            <a:r>
+              <a:rPr lang="en-US" dirty="0"/>
+              <a:t>Output – sum of said numbers and count of number of items. </a:t>
+            </a:r>
+          </a:p>
+          <a:p>
+            <a:r>
+              <a:rPr lang="en-US" dirty="0"/>
+              <a:t>Get the longest (or shortest):</a:t>
+            </a:r>
+          </a:p>
+          <a:p>
+            <a:pPr lvl="1"/>
+            <a:r>
+              <a:rPr lang="en-US" dirty="0"/>
+              <a:t>Input – List of strings. </a:t>
+            </a:r>
+          </a:p>
+          <a:p>
+            <a:pPr lvl="1"/>
+            <a:r>
+              <a:rPr lang="en-US" dirty="0"/>
+              <a:t>Output – the longest string. </a:t>
+            </a:r>
+          </a:p>
+          <a:p>
+            <a:pPr lvl="1"/>
+            <a:r>
+              <a:rPr lang="en-US" dirty="0"/>
+              <a:t>Bonus – make a loop to calculate the length of strings. </a:t>
+            </a:r>
+          </a:p>
+          <a:p>
+            <a:r>
+              <a:rPr lang="en-US" dirty="0"/>
+              <a:t>If you feel comfortable, you can try to write these in functions, not required though. </a:t>
+            </a:r>
+          </a:p>
+          <a:p>
+            <a:pPr lvl="1"/>
+            <a:r>
+              <a:rPr lang="en-US" dirty="0"/>
+              <a:t>Make the longest/shortest switchable based on an argument if you can. </a:t>
+            </a:r>
+          </a:p>
+        </p:txBody>
+      </p:sp>
+      <p:pic>
+        <p:nvPicPr>
+          <p:cNvPr id="4" name="Picture 3">
+            <a:extLst>
+              <a:ext uri="{FF2B5EF4-FFF2-40B4-BE49-F238E27FC236}">
+                <a16:creationId xmlns:a16="http://schemas.microsoft.com/office/drawing/2014/main" id="{599B1BC3-9C44-4F81-5AAD-6ECEF11FB698}"/>
+              </a:ext>
+            </a:extLst>
+          </p:cNvPr>
+          <p:cNvPicPr>
+            <a:picLocks noChangeAspect="1"/>
+          </p:cNvPicPr>
+          <p:nvPr/>
+        </p:nvPicPr>
+        <p:blipFill>
+          <a:blip r:embed="rId2"/>
+          <a:srcRect r="4541"/>
+          <a:stretch/>
+        </p:blipFill>
+        <p:spPr>
+          <a:xfrm>
+            <a:off x="6992615" y="3090276"/>
+            <a:ext cx="5199386" cy="1914330"/>
+          </a:xfrm>
+          <a:prstGeom prst="rect">
+            <a:avLst/>
+          </a:prstGeom>
+        </p:spPr>
+      </p:pic>
+    </p:spTree>
+    <p:extLst>
+      <p:ext uri="{BB962C8B-B14F-4D97-AF65-F5344CB8AC3E}">
+        <p14:creationId xmlns:p14="http://schemas.microsoft.com/office/powerpoint/2010/main" val="3131082456"/>
+      </p:ext>
+    </p:extLst>
+  </p:cSld>
+  <p:clrMapOvr>
+    <a:masterClrMapping/>
+  </p:clrMapOvr>
+</p:sld>
+</file>
+
+<file path=ppt/slides/slide3.xml><?xml version="1.0" encoding="utf-8"?>
+<p:sld xmlns:a="http://schemas.openxmlformats.org/drawingml/2006/main" xmlns:r="http://schemas.openxmlformats.org/officeDocument/2006/relationships" xmlns:p="http://schemas.openxmlformats.org/presentationml/2006/main">
+  <p:cSld>
+    <p:spTree>
+      <p:nvGrpSpPr>
+        <p:cNvPr id="1" name=""/>
+        <p:cNvGrpSpPr/>
+        <p:nvPr/>
+      </p:nvGrpSpPr>
+      <p:grpSpPr>
+        <a:xfrm>
+          <a:off x="0" y="0"/>
+          <a:ext cx="0" cy="0"/>
+          <a:chOff x="0" y="0"/>
+          <a:chExt cx="0" cy="0"/>
+        </a:xfrm>
+      </p:grpSpPr>
+      <p:sp>
+        <p:nvSpPr>
+          <p:cNvPr id="2" name="Title 1">
+            <a:extLst>
+              <a:ext uri="{FF2B5EF4-FFF2-40B4-BE49-F238E27FC236}">
+                <a16:creationId xmlns:a16="http://schemas.microsoft.com/office/drawing/2014/main" id="{8592BEE3-ADE6-26C5-F892-875E228BE3D9}"/>
+              </a:ext>
+            </a:extLst>
+          </p:cNvPr>
+          <p:cNvSpPr>
+            <a:spLocks noGrp="1"/>
+          </p:cNvSpPr>
+          <p:nvPr>
+            <p:ph type="title"/>
+          </p:nvPr>
+        </p:nvSpPr>
+        <p:spPr/>
+        <p:txBody>
+          <a:bodyPr/>
+          <a:lstStyle/>
+          <a:p>
+            <a:r>
+              <a:rPr lang="en-US" dirty="0"/>
+              <a:t>Housekeeping</a:t>
+            </a:r>
+          </a:p>
+        </p:txBody>
+      </p:sp>
+      <p:sp>
+        <p:nvSpPr>
+          <p:cNvPr id="3" name="Content Placeholder 2">
+            <a:extLst>
+              <a:ext uri="{FF2B5EF4-FFF2-40B4-BE49-F238E27FC236}">
+                <a16:creationId xmlns:a16="http://schemas.microsoft.com/office/drawing/2014/main" id="{FE69DEAF-4283-8EFE-B34B-F5FA9C071101}"/>
+              </a:ext>
+            </a:extLst>
+          </p:cNvPr>
+          <p:cNvSpPr>
+            <a:spLocks noGrp="1"/>
+          </p:cNvSpPr>
+          <p:nvPr>
+            <p:ph idx="1"/>
+          </p:nvPr>
+        </p:nvSpPr>
+        <p:spPr>
+          <a:xfrm>
+            <a:off x="1451579" y="1853754"/>
+            <a:ext cx="9603275" cy="4133230"/>
+          </a:xfrm>
+        </p:spPr>
+        <p:txBody>
+          <a:bodyPr/>
+          <a:lstStyle/>
+          <a:p>
+            <a:r>
+              <a:rPr lang="en-US" dirty="0"/>
+              <a:t>Labs:</a:t>
+            </a:r>
+          </a:p>
+          <a:p>
+            <a:pPr lvl="1"/>
+            <a:r>
+              <a:rPr lang="en-US" dirty="0"/>
+              <a:t>I revised lab 0 and 1, please someone test – new links on the LMS and in chat (put in the chat if you are – only need a couple of people). </a:t>
+            </a:r>
+          </a:p>
+          <a:p>
+            <a:pPr lvl="1"/>
+            <a:r>
+              <a:rPr lang="en-US" dirty="0"/>
+              <a:t>If this doesn’t work I’ll have you work on it, and figure out submission differently. </a:t>
+            </a:r>
+          </a:p>
+          <a:p>
+            <a:r>
+              <a:rPr lang="en-US" dirty="0"/>
+              <a:t>To now:</a:t>
+            </a:r>
+          </a:p>
+          <a:p>
+            <a:pPr lvl="1"/>
+            <a:r>
+              <a:rPr lang="en-US" dirty="0"/>
+              <a:t>Understand basics of notebooks and python, pseudocode, create and manipulate variables, use conditional statements, use </a:t>
+            </a:r>
+            <a:r>
+              <a:rPr lang="en-US"/>
+              <a:t>some functions, simple </a:t>
+            </a:r>
+            <a:r>
+              <a:rPr lang="en-US" dirty="0"/>
+              <a:t>debugging (e.g.. print var </a:t>
+            </a:r>
+            <a:r>
+              <a:rPr lang="en-US" dirty="0" err="1"/>
+              <a:t>vals</a:t>
+            </a:r>
+            <a:r>
+              <a:rPr lang="en-US" dirty="0"/>
+              <a:t> or use variable monitor to check), starting to read docs and implement in code. </a:t>
+            </a:r>
+          </a:p>
+          <a:p>
+            <a:r>
+              <a:rPr lang="en-US" dirty="0"/>
+              <a:t>Today:</a:t>
+            </a:r>
+          </a:p>
+          <a:p>
+            <a:pPr lvl="1"/>
+            <a:r>
+              <a:rPr lang="en-US" dirty="0"/>
+              <a:t>More flow control – loops. (P4E ch5, TP ch7)</a:t>
+            </a:r>
+          </a:p>
+          <a:p>
+            <a:endParaRPr lang="en-US" dirty="0"/>
+          </a:p>
+          <a:p>
+            <a:pPr lvl="1"/>
+            <a:endParaRPr lang="en-US" dirty="0"/>
+          </a:p>
+        </p:txBody>
+      </p:sp>
+    </p:spTree>
+    <p:extLst>
+      <p:ext uri="{BB962C8B-B14F-4D97-AF65-F5344CB8AC3E}">
+        <p14:creationId xmlns:p14="http://schemas.microsoft.com/office/powerpoint/2010/main" val="3327987730"/>
+      </p:ext>
+    </p:extLst>
+  </p:cSld>
+  <p:clrMapOvr>
+    <a:masterClrMapping/>
+  </p:clrMapOvr>
+</p:sld>
+</file>
+
+<file path=ppt/slides/slide4.xml><?xml version="1.0" encoding="utf-8"?>
+<p:sld xmlns:a="http://schemas.openxmlformats.org/drawingml/2006/main" xmlns:r="http://schemas.openxmlformats.org/officeDocument/2006/relationships" xmlns:p="http://schemas.openxmlformats.org/presentationml/2006/main">
+  <p:cSld>
+    <p:spTree>
+      <p:nvGrpSpPr>
+        <p:cNvPr id="1" name=""/>
+        <p:cNvGrpSpPr/>
+        <p:nvPr/>
+      </p:nvGrpSpPr>
+      <p:grpSpPr>
+        <a:xfrm>
+          <a:off x="0" y="0"/>
+          <a:ext cx="0" cy="0"/>
+          <a:chOff x="0" y="0"/>
+          <a:chExt cx="0" cy="0"/>
+        </a:xfrm>
+      </p:grpSpPr>
+      <p:sp>
+        <p:nvSpPr>
+          <p:cNvPr id="2" name="Title 1">
+            <a:extLst>
+              <a:ext uri="{FF2B5EF4-FFF2-40B4-BE49-F238E27FC236}">
+                <a16:creationId xmlns:a16="http://schemas.microsoft.com/office/drawing/2014/main" id="{22DDB9B6-99AA-90E9-6D66-7075E8A752E0}"/>
+              </a:ext>
+            </a:extLst>
+          </p:cNvPr>
+          <p:cNvSpPr>
+            <a:spLocks noGrp="1"/>
+          </p:cNvSpPr>
+          <p:nvPr>
+            <p:ph type="title"/>
+          </p:nvPr>
+        </p:nvSpPr>
+        <p:spPr/>
+        <p:txBody>
+          <a:bodyPr/>
+          <a:lstStyle/>
+          <a:p>
+            <a:r>
+              <a:rPr lang="en-US" dirty="0"/>
+              <a:t>Review – If Statements</a:t>
+            </a:r>
+          </a:p>
+        </p:txBody>
+      </p:sp>
+      <p:sp>
+        <p:nvSpPr>
+          <p:cNvPr id="3" name="Content Placeholder 2">
+            <a:extLst>
+              <a:ext uri="{FF2B5EF4-FFF2-40B4-BE49-F238E27FC236}">
+                <a16:creationId xmlns:a16="http://schemas.microsoft.com/office/drawing/2014/main" id="{975A0D38-0A4A-0053-586B-5EEC9F7A9BB6}"/>
+              </a:ext>
+            </a:extLst>
+          </p:cNvPr>
+          <p:cNvSpPr>
+            <a:spLocks noGrp="1"/>
+          </p:cNvSpPr>
+          <p:nvPr>
+            <p:ph idx="1"/>
+          </p:nvPr>
+        </p:nvSpPr>
+        <p:spPr/>
+        <p:txBody>
+          <a:bodyPr/>
+          <a:lstStyle/>
+          <a:p>
+            <a:endParaRPr lang="en-US"/>
+          </a:p>
+        </p:txBody>
+      </p:sp>
+      <p:pic>
+        <p:nvPicPr>
+          <p:cNvPr id="3074" name="Picture 2" descr="Python if, if...else Statement (With Examples)">
+            <a:extLst>
+              <a:ext uri="{FF2B5EF4-FFF2-40B4-BE49-F238E27FC236}">
+                <a16:creationId xmlns:a16="http://schemas.microsoft.com/office/drawing/2014/main" id="{893F28FA-7CBB-9098-7C58-3D0882BE3F7F}"/>
+              </a:ext>
+            </a:extLst>
+          </p:cNvPr>
+          <p:cNvPicPr>
+            <a:picLocks noChangeAspect="1" noChangeArrowheads="1"/>
+          </p:cNvPicPr>
+          <p:nvPr/>
+        </p:nvPicPr>
+        <p:blipFill rotWithShape="1">
+          <a:blip r:embed="rId2">
+            <a:extLst>
+              <a:ext uri="{28A0092B-C50C-407E-A947-70E740481C1C}">
+                <a14:useLocalDpi xmlns:a14="http://schemas.microsoft.com/office/drawing/2010/main" val="0"/>
+              </a:ext>
+            </a:extLst>
+          </a:blip>
+          <a:srcRect l="6791" t="9190" r="7065" b="4684"/>
+          <a:stretch/>
+        </p:blipFill>
+        <p:spPr bwMode="auto">
+          <a:xfrm>
+            <a:off x="2323751" y="1836595"/>
+            <a:ext cx="7544497" cy="4293178"/>
+          </a:xfrm>
+          <a:prstGeom prst="rect">
+            <a:avLst/>
+          </a:prstGeom>
+          <a:noFill/>
+          <a:extLst>
+            <a:ext uri="{909E8E84-426E-40DD-AFC4-6F175D3DCCD1}">
+              <a14:hiddenFill xmlns:a14="http://schemas.microsoft.com/office/drawing/2010/main">
+                <a:solidFill>
+                  <a:srgbClr val="FFFFFF"/>
+                </a:solidFill>
+              </a14:hiddenFill>
+            </a:ext>
+          </a:extLst>
+        </p:spPr>
+      </p:pic>
+    </p:spTree>
+    <p:extLst>
+      <p:ext uri="{BB962C8B-B14F-4D97-AF65-F5344CB8AC3E}">
+        <p14:creationId xmlns:p14="http://schemas.microsoft.com/office/powerpoint/2010/main" val="3680543669"/>
+      </p:ext>
+    </p:extLst>
+  </p:cSld>
+  <p:clrMapOvr>
+    <a:masterClrMapping/>
+  </p:clrMapOvr>
+</p:sld>
+</file>
+
+<file path=ppt/slides/slide5.xml><?xml version="1.0" encoding="utf-8"?>
+<p:sld xmlns:a="http://schemas.openxmlformats.org/drawingml/2006/main" xmlns:r="http://schemas.openxmlformats.org/officeDocument/2006/relationships" xmlns:p="http://schemas.openxmlformats.org/presentationml/2006/main">
+  <p:cSld>
+    <p:bg>
+      <p:bgPr>
+        <a:gradFill rotWithShape="1">
+          <a:gsLst>
+            <a:gs pos="0">
+              <a:schemeClr val="bg2">
+                <a:tint val="94000"/>
+                <a:satMod val="80000"/>
+                <a:lumMod val="106000"/>
+              </a:schemeClr>
+            </a:gs>
+            <a:gs pos="100000">
+              <a:schemeClr val="bg2">
+                <a:shade val="80000"/>
+              </a:schemeClr>
+            </a:gs>
+          </a:gsLst>
+          <a:path path="circle">
+            <a:fillToRect l="43000" r="43000" b="100000"/>
+          </a:path>
+        </a:gradFill>
+        <a:effectLst/>
+      </p:bgPr>
+    </p:bg>
+    <p:spTree>
+      <p:nvGrpSpPr>
+        <p:cNvPr id="1" name=""/>
+        <p:cNvGrpSpPr/>
+        <p:nvPr/>
+      </p:nvGrpSpPr>
+      <p:grpSpPr>
+        <a:xfrm>
+          <a:off x="0" y="0"/>
+          <a:ext cx="0" cy="0"/>
+          <a:chOff x="0" y="0"/>
+          <a:chExt cx="0" cy="0"/>
+        </a:xfrm>
+      </p:grpSpPr>
+      <p:sp>
+        <p:nvSpPr>
+          <p:cNvPr id="2" name="Title 1">
+            <a:extLst>
+              <a:ext uri="{FF2B5EF4-FFF2-40B4-BE49-F238E27FC236}">
+                <a16:creationId xmlns:a16="http://schemas.microsoft.com/office/drawing/2014/main" id="{925E8BE6-72FF-61F5-645B-8DB76FF5440C}"/>
+              </a:ext>
+            </a:extLst>
+          </p:cNvPr>
+          <p:cNvSpPr>
+            <a:spLocks noGrp="1"/>
+          </p:cNvSpPr>
+          <p:nvPr>
+            <p:ph type="title"/>
+          </p:nvPr>
+        </p:nvSpPr>
+        <p:spPr>
+          <a:xfrm>
+            <a:off x="1451579" y="804519"/>
+            <a:ext cx="9603275" cy="1049235"/>
+          </a:xfrm>
+        </p:spPr>
+        <p:txBody>
+          <a:bodyPr>
+            <a:normAutofit/>
+          </a:bodyPr>
+          <a:lstStyle/>
+          <a:p>
+            <a:r>
+              <a:rPr lang="en-US" dirty="0"/>
+              <a:t>If</a:t>
+            </a:r>
+          </a:p>
+        </p:txBody>
+      </p:sp>
+      <p:sp>
+        <p:nvSpPr>
+          <p:cNvPr id="3" name="Content Placeholder 2">
+            <a:extLst>
+              <a:ext uri="{FF2B5EF4-FFF2-40B4-BE49-F238E27FC236}">
+                <a16:creationId xmlns:a16="http://schemas.microsoft.com/office/drawing/2014/main" id="{564DB5B5-A43E-55C6-8072-B0191C01C142}"/>
+              </a:ext>
+            </a:extLst>
+          </p:cNvPr>
+          <p:cNvSpPr>
+            <a:spLocks noGrp="1"/>
+          </p:cNvSpPr>
+          <p:nvPr>
+            <p:ph idx="1"/>
+          </p:nvPr>
+        </p:nvSpPr>
+        <p:spPr>
+          <a:xfrm>
+            <a:off x="3545855" y="1853754"/>
+            <a:ext cx="5389404" cy="4199727"/>
+          </a:xfrm>
+        </p:spPr>
+        <p:txBody>
+          <a:bodyPr>
+            <a:normAutofit/>
+          </a:bodyPr>
+          <a:lstStyle/>
+          <a:p>
+            <a:r>
+              <a:rPr lang="en-US" dirty="0"/>
+              <a:t>If statements allow code to run based on a test. </a:t>
+            </a:r>
+          </a:p>
+          <a:p>
+            <a:r>
+              <a:rPr lang="en-US" dirty="0"/>
+              <a:t>Any Boolean condition can be the test.</a:t>
+            </a:r>
+          </a:p>
+          <a:p>
+            <a:pPr lvl="1"/>
+            <a:r>
+              <a:rPr lang="en-US" dirty="0"/>
+              <a:t>Evaluates to T/F in the end.</a:t>
+            </a:r>
+          </a:p>
+          <a:p>
+            <a:pPr lvl="1"/>
+            <a:r>
+              <a:rPr lang="en-US" dirty="0"/>
+              <a:t>Logic can be arbitrarily complex. </a:t>
+            </a:r>
+          </a:p>
+          <a:p>
+            <a:r>
+              <a:rPr lang="en-US" dirty="0"/>
+              <a:t>Else/</a:t>
+            </a:r>
+            <a:r>
+              <a:rPr lang="en-US" dirty="0" err="1"/>
+              <a:t>elif</a:t>
+            </a:r>
+            <a:r>
+              <a:rPr lang="en-US" dirty="0"/>
+              <a:t> can add additional options for action.</a:t>
+            </a:r>
+          </a:p>
+          <a:p>
+            <a:r>
+              <a:rPr lang="en-US" dirty="0"/>
+              <a:t>Simple mechanics – big power!</a:t>
+            </a:r>
+          </a:p>
+          <a:p>
+            <a:pPr lvl="1"/>
+            <a:r>
+              <a:rPr lang="en-US" dirty="0"/>
+              <a:t>Write code to handle any case, run it as req.</a:t>
+            </a:r>
+          </a:p>
+          <a:p>
+            <a:pPr lvl="1"/>
+            <a:r>
+              <a:rPr lang="en-US" dirty="0"/>
+              <a:t>Can string statements together or make complex conditions to build almost any logic. </a:t>
+            </a:r>
+          </a:p>
+          <a:p>
+            <a:pPr lvl="1"/>
+            <a:endParaRPr lang="en-US" dirty="0"/>
+          </a:p>
+        </p:txBody>
+      </p:sp>
+      <p:pic>
+        <p:nvPicPr>
+          <p:cNvPr id="4100" name="Picture 4" descr="Python If Else Statements - Conditional Statements - GeeksforGeeks">
+            <a:extLst>
+              <a:ext uri="{FF2B5EF4-FFF2-40B4-BE49-F238E27FC236}">
+                <a16:creationId xmlns:a16="http://schemas.microsoft.com/office/drawing/2014/main" id="{587868E4-52B7-D7BD-BCA6-FC2D99550EC9}"/>
+              </a:ext>
+            </a:extLst>
+          </p:cNvPr>
+          <p:cNvPicPr>
+            <a:picLocks noChangeAspect="1" noChangeArrowheads="1"/>
+          </p:cNvPicPr>
+          <p:nvPr/>
+        </p:nvPicPr>
+        <p:blipFill>
+          <a:blip r:embed="rId2">
+            <a:extLst>
+              <a:ext uri="{28A0092B-C50C-407E-A947-70E740481C1C}">
+                <a14:useLocalDpi xmlns:a14="http://schemas.microsoft.com/office/drawing/2010/main" val="0"/>
+              </a:ext>
+            </a:extLst>
+          </a:blip>
+          <a:stretch>
+            <a:fillRect/>
+          </a:stretch>
+        </p:blipFill>
+        <p:spPr bwMode="auto">
+          <a:xfrm>
+            <a:off x="8935259" y="1764493"/>
+            <a:ext cx="3215227" cy="5004246"/>
+          </a:xfrm>
+          <a:prstGeom prst="rect">
+            <a:avLst/>
+          </a:prstGeom>
+          <a:noFill/>
+          <a:extLst>
+            <a:ext uri="{909E8E84-426E-40DD-AFC4-6F175D3DCCD1}">
+              <a14:hiddenFill xmlns:a14="http://schemas.microsoft.com/office/drawing/2010/main">
+                <a:solidFill>
+                  <a:srgbClr val="FFFFFF"/>
+                </a:solidFill>
+              </a14:hiddenFill>
+            </a:ext>
+          </a:extLst>
+        </p:spPr>
+      </p:pic>
+      <p:pic>
+        <p:nvPicPr>
+          <p:cNvPr id="4102" name="Picture 6" descr="Python if statement | What is Python if else statement? | Examples">
+            <a:extLst>
+              <a:ext uri="{FF2B5EF4-FFF2-40B4-BE49-F238E27FC236}">
+                <a16:creationId xmlns:a16="http://schemas.microsoft.com/office/drawing/2014/main" id="{056FB31B-9538-892A-7984-BD33692C55B8}"/>
+              </a:ext>
+            </a:extLst>
+          </p:cNvPr>
+          <p:cNvPicPr>
+            <a:picLocks noChangeAspect="1" noChangeArrowheads="1"/>
+          </p:cNvPicPr>
+          <p:nvPr/>
+        </p:nvPicPr>
+        <p:blipFill rotWithShape="1">
+          <a:blip r:embed="rId3">
+            <a:extLst>
+              <a:ext uri="{28A0092B-C50C-407E-A947-70E740481C1C}">
+                <a14:useLocalDpi xmlns:a14="http://schemas.microsoft.com/office/drawing/2010/main" val="0"/>
+              </a:ext>
+            </a:extLst>
+          </a:blip>
+          <a:srcRect l="3903" t="1302" r="17115" b="11731"/>
+          <a:stretch/>
+        </p:blipFill>
+        <p:spPr bwMode="auto">
+          <a:xfrm>
+            <a:off x="41513" y="1853754"/>
+            <a:ext cx="3504342" cy="5004246"/>
+          </a:xfrm>
+          <a:prstGeom prst="rect">
+            <a:avLst/>
+          </a:prstGeom>
+          <a:noFill/>
+          <a:extLst>
+            <a:ext uri="{909E8E84-426E-40DD-AFC4-6F175D3DCCD1}">
+              <a14:hiddenFill xmlns:a14="http://schemas.microsoft.com/office/drawing/2010/main">
+                <a:solidFill>
+                  <a:srgbClr val="FFFFFF"/>
+                </a:solidFill>
+              </a14:hiddenFill>
+            </a:ext>
+          </a:extLst>
+        </p:spPr>
+      </p:pic>
+    </p:spTree>
+    <p:extLst>
+      <p:ext uri="{BB962C8B-B14F-4D97-AF65-F5344CB8AC3E}">
+        <p14:creationId xmlns:p14="http://schemas.microsoft.com/office/powerpoint/2010/main" val="1237527657"/>
       </p:ext>
     </p:extLst>
   </p:cSld>
@@ -4923,7 +6719,7 @@
           <p:cNvPr id="2" name="Title 1">
             <a:extLst>
               <a:ext uri="{FF2B5EF4-FFF2-40B4-BE49-F238E27FC236}">
-                <a16:creationId xmlns:a16="http://schemas.microsoft.com/office/drawing/2014/main" id="{F58CE888-1C11-99E9-5AA8-A093B8E7B25A}"/>
+                <a16:creationId xmlns:a16="http://schemas.microsoft.com/office/drawing/2014/main" id="{A3A83204-5AD3-20A2-4F2E-C7F4E11C3234}"/>
               </a:ext>
             </a:extLst>
           </p:cNvPr>
@@ -4948,71 +6744,17 @@
           <a:p>
             <a:r>
               <a:rPr lang="en-US" dirty="0"/>
-              <a:t>For Loops</a:t>
-            </a:r>
-          </a:p>
-        </p:txBody>
-      </p:sp>
-      <p:sp>
-        <p:nvSpPr>
-          <p:cNvPr id="3" name="Content Placeholder 2">
+              <a:t>Boolean Logic</a:t>
+            </a:r>
+          </a:p>
+        </p:txBody>
+      </p:sp>
+      <p:pic>
+        <p:nvPicPr>
+          <p:cNvPr id="5122" name="Picture 2" descr="Using Booleans in VEXcode Pro V5 – VEX Library">
             <a:extLst>
               <a:ext uri="{FF2B5EF4-FFF2-40B4-BE49-F238E27FC236}">
-                <a16:creationId xmlns:a16="http://schemas.microsoft.com/office/drawing/2014/main" id="{88B09C3D-59DA-1BC2-8795-972E40FD3CD0}"/>
-              </a:ext>
-            </a:extLst>
-          </p:cNvPr>
-          <p:cNvSpPr>
-            <a:spLocks noGrp="1"/>
-          </p:cNvSpPr>
-          <p:nvPr>
-            <p:ph idx="1"/>
-          </p:nvPr>
-        </p:nvSpPr>
-        <p:spPr>
-          <a:xfrm>
-            <a:off x="494270" y="2015734"/>
-            <a:ext cx="5226907" cy="4037747"/>
-          </a:xfrm>
-        </p:spPr>
-        <p:txBody>
-          <a:bodyPr>
-            <a:normAutofit/>
-          </a:bodyPr>
-          <a:lstStyle/>
-          <a:p>
-            <a:r>
-              <a:rPr lang="en-US" dirty="0"/>
-              <a:t>For loops are another common loop type, probably the most common in DS. </a:t>
-            </a:r>
-          </a:p>
-          <a:p>
-            <a:r>
-              <a:rPr lang="en-US" dirty="0"/>
-              <a:t>For loops are normally done to items in a data structure. </a:t>
-            </a:r>
-          </a:p>
-          <a:p>
-            <a:pPr lvl="1"/>
-            <a:r>
-              <a:rPr lang="en-US" dirty="0"/>
-              <a:t>“For each item in this list, do this stuff”. </a:t>
-            </a:r>
-          </a:p>
-          <a:p>
-            <a:r>
-              <a:rPr lang="en-US" dirty="0"/>
-              <a:t>Since we will end up dealing mostly with big stacks of data, this makes sense for us. </a:t>
-            </a:r>
-          </a:p>
-        </p:txBody>
-      </p:sp>
-      <p:pic>
-        <p:nvPicPr>
-          <p:cNvPr id="3074" name="Picture 2" descr="Python For Loops - GeeksforGeeks">
-            <a:extLst>
-              <a:ext uri="{FF2B5EF4-FFF2-40B4-BE49-F238E27FC236}">
-                <a16:creationId xmlns:a16="http://schemas.microsoft.com/office/drawing/2014/main" id="{DA758AE6-514B-5633-01D8-A9876B279BCA}"/>
+                <a16:creationId xmlns:a16="http://schemas.microsoft.com/office/drawing/2014/main" id="{BDD6AF57-DC6B-F9F4-D59A-A65AB6EA08C9}"/>
               </a:ext>
             </a:extLst>
           </p:cNvPr>
@@ -5035,8 +6777,8 @@
         </p:blipFill>
         <p:spPr bwMode="auto">
           <a:xfrm>
-            <a:off x="6094411" y="1901395"/>
-            <a:ext cx="6110568" cy="3757999"/>
+            <a:off x="82164" y="2015734"/>
+            <a:ext cx="6385382" cy="2937275"/>
           </a:xfrm>
           <a:prstGeom prst="rect">
             <a:avLst/>
@@ -5053,10 +6795,71 @@
           </a:extLst>
         </p:spPr>
       </p:pic>
+      <p:sp>
+        <p:nvSpPr>
+          <p:cNvPr id="3" name="Content Placeholder 2">
+            <a:extLst>
+              <a:ext uri="{FF2B5EF4-FFF2-40B4-BE49-F238E27FC236}">
+                <a16:creationId xmlns:a16="http://schemas.microsoft.com/office/drawing/2014/main" id="{CD03B532-3A35-EE93-B96A-D546D1A9C612}"/>
+              </a:ext>
+            </a:extLst>
+          </p:cNvPr>
+          <p:cNvSpPr>
+            <a:spLocks noGrp="1"/>
+          </p:cNvSpPr>
+          <p:nvPr>
+            <p:ph idx="1"/>
+          </p:nvPr>
+        </p:nvSpPr>
+        <p:spPr>
+          <a:xfrm>
+            <a:off x="6467546" y="1853754"/>
+            <a:ext cx="5642291" cy="4199727"/>
+          </a:xfrm>
+        </p:spPr>
+        <p:txBody>
+          <a:bodyPr>
+            <a:normAutofit/>
+          </a:bodyPr>
+          <a:lstStyle/>
+          <a:p>
+            <a:r>
+              <a:rPr lang="en-US" dirty="0"/>
+              <a:t>If statements are controlled by some Boolean condition. </a:t>
+            </a:r>
+          </a:p>
+          <a:p>
+            <a:r>
+              <a:rPr lang="en-US" dirty="0"/>
+              <a:t>This can be anything we can imagine, as long as it evaluates to true or false. </a:t>
+            </a:r>
+          </a:p>
+          <a:p>
+            <a:pPr lvl="1"/>
+            <a:r>
+              <a:rPr lang="en-US" dirty="0"/>
+              <a:t>Often simple, is something null? Is the length over some cutoff? Is this value larger than this other one? Is this list empty? Are these two things equal? </a:t>
+            </a:r>
+          </a:p>
+          <a:p>
+            <a:r>
+              <a:rPr lang="en-US" dirty="0"/>
+              <a:t>For complex logic we can combine tests (e.g. and, or) or nest if statements. </a:t>
+            </a:r>
+          </a:p>
+          <a:p>
+            <a:pPr lvl="1"/>
+            <a:r>
+              <a:rPr lang="en-US" dirty="0"/>
+              <a:t>Nesting tends to be logically simpler if complex. </a:t>
+            </a:r>
+          </a:p>
+        </p:txBody>
+      </p:sp>
     </p:spTree>
     <p:extLst>
       <p:ext uri="{BB962C8B-B14F-4D97-AF65-F5344CB8AC3E}">
-        <p14:creationId xmlns:p14="http://schemas.microsoft.com/office/powerpoint/2010/main" val="1192004791"/>
+        <p14:creationId xmlns:p14="http://schemas.microsoft.com/office/powerpoint/2010/main" val="375691941"/>
       </p:ext>
     </p:extLst>
   </p:cSld>
@@ -5109,234 +6912,10 @@
       </p:grpSpPr>
       <p:sp>
         <p:nvSpPr>
-          <p:cNvPr id="2" name="Title 1">
-            <a:extLst>
-              <a:ext uri="{FF2B5EF4-FFF2-40B4-BE49-F238E27FC236}">
-                <a16:creationId xmlns:a16="http://schemas.microsoft.com/office/drawing/2014/main" id="{756FE1BC-98D4-6D8B-80E1-EAC29B91A690}"/>
-              </a:ext>
-            </a:extLst>
-          </p:cNvPr>
-          <p:cNvSpPr>
-            <a:spLocks noGrp="1"/>
-          </p:cNvSpPr>
-          <p:nvPr>
-            <p:ph type="title"/>
-          </p:nvPr>
-        </p:nvSpPr>
-        <p:spPr>
-          <a:xfrm>
-            <a:off x="1451579" y="804519"/>
-            <a:ext cx="9603275" cy="1049235"/>
-          </a:xfrm>
-        </p:spPr>
-        <p:txBody>
-          <a:bodyPr>
-            <a:normAutofit/>
-          </a:bodyPr>
-          <a:lstStyle/>
-          <a:p>
-            <a:r>
-              <a:rPr lang="en-US" dirty="0"/>
-              <a:t>For Loop Syntax</a:t>
-            </a:r>
-          </a:p>
-        </p:txBody>
-      </p:sp>
-      <p:sp>
-        <p:nvSpPr>
-          <p:cNvPr id="3" name="Content Placeholder 2">
-            <a:extLst>
-              <a:ext uri="{FF2B5EF4-FFF2-40B4-BE49-F238E27FC236}">
-                <a16:creationId xmlns:a16="http://schemas.microsoft.com/office/drawing/2014/main" id="{E4134420-2286-DB4D-BA88-5020EDFCB9D0}"/>
-              </a:ext>
-            </a:extLst>
-          </p:cNvPr>
-          <p:cNvSpPr>
-            <a:spLocks noGrp="1"/>
-          </p:cNvSpPr>
-          <p:nvPr>
-            <p:ph idx="1"/>
-          </p:nvPr>
-        </p:nvSpPr>
-        <p:spPr>
-          <a:xfrm>
-            <a:off x="-1" y="1928192"/>
-            <a:ext cx="6406411" cy="4125290"/>
-          </a:xfrm>
-        </p:spPr>
-        <p:txBody>
-          <a:bodyPr>
-            <a:normAutofit/>
-          </a:bodyPr>
-          <a:lstStyle/>
-          <a:p>
-            <a:r>
-              <a:rPr lang="en-US" dirty="0"/>
-              <a:t>For loops “grab” items one by one from some data structure. </a:t>
-            </a:r>
-          </a:p>
-          <a:p>
-            <a:pPr lvl="1"/>
-            <a:r>
-              <a:rPr lang="en-US" dirty="0"/>
-              <a:t>We then do the body to the item that we grabbed. Repeat. </a:t>
-            </a:r>
-          </a:p>
-          <a:p>
-            <a:r>
-              <a:rPr lang="en-US" dirty="0"/>
-              <a:t>The data structure itself can be anything that is “</a:t>
-            </a:r>
-            <a:r>
-              <a:rPr lang="en-CA" b="1" i="0" dirty="0" err="1">
-                <a:solidFill>
-                  <a:srgbClr val="242424"/>
-                </a:solidFill>
-                <a:effectLst/>
-                <a:latin typeface="sohne"/>
-              </a:rPr>
-              <a:t>Iterable</a:t>
-            </a:r>
-            <a:r>
-              <a:rPr lang="en-US" dirty="0"/>
-              <a:t>”</a:t>
-            </a:r>
-          </a:p>
-          <a:p>
-            <a:pPr lvl="1"/>
-            <a:r>
-              <a:rPr lang="en-US" dirty="0"/>
-              <a:t>I.e. capable of returning its items one by one. </a:t>
-            </a:r>
-          </a:p>
-          <a:p>
-            <a:pPr lvl="1"/>
-            <a:r>
-              <a:rPr lang="en-US" dirty="0"/>
-              <a:t>Lists, strings, and tuples are all </a:t>
-            </a:r>
-            <a:r>
-              <a:rPr lang="en-US" dirty="0" err="1"/>
-              <a:t>iterable</a:t>
-            </a:r>
-            <a:r>
-              <a:rPr lang="en-US" dirty="0"/>
-              <a:t>. Many data structures in Python are, making them largely interchangeable. </a:t>
-            </a:r>
-          </a:p>
-          <a:p>
-            <a:r>
-              <a:rPr lang="en-US" dirty="0"/>
-              <a:t>Slightly different syntax from other languages. </a:t>
-            </a:r>
-          </a:p>
-        </p:txBody>
-      </p:sp>
-      <p:pic>
-        <p:nvPicPr>
-          <p:cNvPr id="4098" name="Picture 2" descr="Python for Loops: A Kid-Friendly Guide">
-            <a:extLst>
-              <a:ext uri="{FF2B5EF4-FFF2-40B4-BE49-F238E27FC236}">
-                <a16:creationId xmlns:a16="http://schemas.microsoft.com/office/drawing/2014/main" id="{7D6B5FBA-5EC4-C01E-DF8E-4B4E8330149B}"/>
-              </a:ext>
-            </a:extLst>
-          </p:cNvPr>
-          <p:cNvPicPr>
-            <a:picLocks noChangeAspect="1" noChangeArrowheads="1"/>
-          </p:cNvPicPr>
-          <p:nvPr/>
-        </p:nvPicPr>
-        <p:blipFill rotWithShape="1">
-          <a:blip r:embed="rId2">
-            <a:extLst>
-              <a:ext uri="{28A0092B-C50C-407E-A947-70E740481C1C}">
-                <a14:useLocalDpi xmlns:a14="http://schemas.microsoft.com/office/drawing/2010/main" val="0"/>
-              </a:ext>
-            </a:extLst>
-          </a:blip>
-          <a:srcRect l="3841" t="10545" r="3976" b="7740"/>
-          <a:stretch/>
-        </p:blipFill>
-        <p:spPr bwMode="auto">
-          <a:xfrm>
-            <a:off x="6406411" y="1853754"/>
-            <a:ext cx="5785588" cy="2320681"/>
-          </a:xfrm>
-          <a:prstGeom prst="rect">
-            <a:avLst/>
-          </a:prstGeom>
-          <a:noFill/>
-          <a:extLst>
-            <a:ext uri="{909E8E84-426E-40DD-AFC4-6F175D3DCCD1}">
-              <a14:hiddenFill xmlns:a14="http://schemas.microsoft.com/office/drawing/2010/main">
-                <a:solidFill>
-                  <a:srgbClr val="FFFFFF"/>
-                </a:solidFill>
-              </a14:hiddenFill>
-            </a:ext>
-          </a:extLst>
-        </p:spPr>
-      </p:pic>
-    </p:spTree>
-    <p:extLst>
-      <p:ext uri="{BB962C8B-B14F-4D97-AF65-F5344CB8AC3E}">
-        <p14:creationId xmlns:p14="http://schemas.microsoft.com/office/powerpoint/2010/main" val="3907463866"/>
-      </p:ext>
-    </p:extLst>
-  </p:cSld>
-  <p:clrMapOvr>
-    <a:masterClrMapping/>
-  </p:clrMapOvr>
-</p:sld>
-</file>
-
-<file path=ppt/slides/slide8.xml><?xml version="1.0" encoding="utf-8"?>
-<p:sld xmlns:a="http://schemas.openxmlformats.org/drawingml/2006/main" xmlns:r="http://schemas.openxmlformats.org/officeDocument/2006/relationships" xmlns:p="http://schemas.openxmlformats.org/presentationml/2006/main">
-  <p:cSld>
-    <p:bg>
-      <p:bgPr>
-        <a:gradFill rotWithShape="1">
-          <a:gsLst>
-            <a:gs pos="0">
-              <a:schemeClr val="bg2">
-                <a:tint val="94000"/>
-                <a:satMod val="80000"/>
-                <a:lumMod val="106000"/>
-              </a:schemeClr>
-            </a:gs>
-            <a:gs pos="100000">
-              <a:schemeClr val="bg2">
-                <a:shade val="80000"/>
-              </a:schemeClr>
-            </a:gs>
-          </a:gsLst>
-          <a:path path="circle">
-            <a:fillToRect l="43000" r="43000" b="100000"/>
-          </a:path>
-        </a:gradFill>
-        <a:effectLst/>
-      </p:bgPr>
-    </p:bg>
-    <p:spTree>
-      <p:nvGrpSpPr>
-        <p:cNvPr id="1" name=""/>
-        <p:cNvGrpSpPr/>
-        <p:nvPr/>
-      </p:nvGrpSpPr>
-      <p:grpSpPr>
-        <a:xfrm>
-          <a:off x="0" y="0"/>
-          <a:ext cx="0" cy="0"/>
-          <a:chOff x="0" y="0"/>
-          <a:chExt cx="0" cy="0"/>
-        </a:xfrm>
-      </p:grpSpPr>
-      <p:sp useBgFill="1">
-        <p:nvSpPr>
           <p:cNvPr id="9" name="Rectangle 8">
             <a:extLst>
               <a:ext uri="{FF2B5EF4-FFF2-40B4-BE49-F238E27FC236}">
-                <a16:creationId xmlns:a16="http://schemas.microsoft.com/office/drawing/2014/main" id="{1C2A4B30-77D7-4FFB-8B53-A88BD68CABD2}"/>
+                <a16:creationId xmlns:a16="http://schemas.microsoft.com/office/drawing/2014/main" id="{C63C853E-3842-4594-86A9-051FFAF4D343}"/>
               </a:ext>
               <a:ext uri="{C183D7F6-B498-43B3-948B-1728B52AA6E4}">
                 <adec:decorative xmlns:adec="http://schemas.microsoft.com/office/drawing/2017/decorative" val="1"/>
@@ -5356,151 +6935,8 @@
         </p:nvSpPr>
         <p:spPr>
           <a:xfrm>
-            <a:off x="2" y="0"/>
-            <a:ext cx="12191695" cy="6858000"/>
-          </a:xfrm>
-          <a:prstGeom prst="rect">
-            <a:avLst/>
-          </a:prstGeom>
-          <a:ln>
-            <a:noFill/>
-          </a:ln>
-        </p:spPr>
-        <p:style>
-          <a:lnRef idx="2">
-            <a:schemeClr val="accent1">
-              <a:shade val="50000"/>
-            </a:schemeClr>
-          </a:lnRef>
-          <a:fillRef idx="1">
-            <a:schemeClr val="accent1"/>
-          </a:fillRef>
-          <a:effectRef idx="0">
-            <a:schemeClr val="accent1"/>
-          </a:effectRef>
-          <a:fontRef idx="minor">
-            <a:schemeClr val="lt1"/>
-          </a:fontRef>
-        </p:style>
-        <p:txBody>
-          <a:bodyPr rtlCol="0" anchor="ctr"/>
-          <a:lstStyle/>
-          <a:p>
-            <a:pPr algn="ctr"/>
-            <a:endParaRPr lang="en-US"/>
-          </a:p>
-        </p:txBody>
-      </p:sp>
-      <p:sp>
-        <p:nvSpPr>
-          <p:cNvPr id="2" name="Title 1">
-            <a:extLst>
-              <a:ext uri="{FF2B5EF4-FFF2-40B4-BE49-F238E27FC236}">
-                <a16:creationId xmlns:a16="http://schemas.microsoft.com/office/drawing/2014/main" id="{B3E9A11F-5011-F20A-330E-8CABD7BF5FBF}"/>
-              </a:ext>
-            </a:extLst>
-          </p:cNvPr>
-          <p:cNvSpPr>
-            <a:spLocks noGrp="1"/>
-          </p:cNvSpPr>
-          <p:nvPr>
-            <p:ph type="title"/>
-          </p:nvPr>
-        </p:nvSpPr>
-        <p:spPr>
-          <a:xfrm>
-            <a:off x="1451580" y="804519"/>
-            <a:ext cx="4325112" cy="1049235"/>
-          </a:xfrm>
-        </p:spPr>
-        <p:txBody>
-          <a:bodyPr>
-            <a:normAutofit/>
-          </a:bodyPr>
-          <a:lstStyle/>
-          <a:p>
-            <a:r>
-              <a:rPr lang="en-US" sz="2800"/>
-              <a:t>In Code</a:t>
-            </a:r>
-          </a:p>
-        </p:txBody>
-      </p:sp>
-      <p:cxnSp>
-        <p:nvCxnSpPr>
-          <p:cNvPr id="11" name="Straight Connector 10">
-            <a:extLst>
-              <a:ext uri="{FF2B5EF4-FFF2-40B4-BE49-F238E27FC236}">
-                <a16:creationId xmlns:a16="http://schemas.microsoft.com/office/drawing/2014/main" id="{373AAE2E-5D6B-4952-A4BB-546C49F8DE4B}"/>
-              </a:ext>
-              <a:ext uri="{C183D7F6-B498-43B3-948B-1728B52AA6E4}">
-                <adec:decorative xmlns:adec="http://schemas.microsoft.com/office/drawing/2017/decorative" val="1"/>
-              </a:ext>
-            </a:extLst>
-          </p:cNvPr>
-          <p:cNvCxnSpPr>
-            <a:cxnSpLocks noGrp="1" noRot="1" noChangeAspect="1" noMove="1" noResize="1" noEditPoints="1" noAdjustHandles="1" noChangeArrowheads="1" noChangeShapeType="1"/>
-          </p:cNvCxnSpPr>
-          <p:nvPr>
-            <p:extLst>
-              <p:ext uri="{386F3935-93C4-4BCD-93E2-E3B085C9AB24}">
-                <p16:designElem xmlns:p16="http://schemas.microsoft.com/office/powerpoint/2015/main" val="1"/>
-              </p:ext>
-            </p:extLst>
-          </p:nvPr>
-        </p:nvCxnSpPr>
-        <p:spPr>
-          <a:xfrm>
-            <a:off x="1451579" y="1853754"/>
-            <a:ext cx="4325112" cy="0"/>
-          </a:xfrm>
-          <a:prstGeom prst="line">
-            <a:avLst/>
-          </a:prstGeom>
-          <a:ln w="31750"/>
-        </p:spPr>
-        <p:style>
-          <a:lnRef idx="3">
-            <a:schemeClr val="accent1"/>
-          </a:lnRef>
-          <a:fillRef idx="0">
-            <a:schemeClr val="accent1"/>
-          </a:fillRef>
-          <a:effectRef idx="2">
-            <a:schemeClr val="accent1"/>
-          </a:effectRef>
-          <a:fontRef idx="minor">
-            <a:schemeClr val="tx1"/>
-          </a:fontRef>
-        </p:style>
-      </p:cxnSp>
-      <p:sp>
-        <p:nvSpPr>
-          <p:cNvPr id="13" name="Rectangle 12">
-            <a:extLst>
-              <a:ext uri="{FF2B5EF4-FFF2-40B4-BE49-F238E27FC236}">
-                <a16:creationId xmlns:a16="http://schemas.microsoft.com/office/drawing/2014/main" id="{01E4D783-AD45-49E7-B6C7-BBACB8290688}"/>
-              </a:ext>
-              <a:ext uri="{C183D7F6-B498-43B3-948B-1728B52AA6E4}">
-                <adec:decorative xmlns:adec="http://schemas.microsoft.com/office/drawing/2017/decorative" val="1"/>
-              </a:ext>
-            </a:extLst>
-          </p:cNvPr>
-          <p:cNvSpPr>
-            <a:spLocks noGrp="1" noRot="1" noChangeAspect="1" noMove="1" noResize="1" noEditPoints="1" noAdjustHandles="1" noChangeArrowheads="1" noChangeShapeType="1" noTextEdit="1"/>
-          </p:cNvSpPr>
-          <p:nvPr>
-            <p:extLst>
-              <p:ext uri="{386F3935-93C4-4BCD-93E2-E3B085C9AB24}">
-                <p16:designElem xmlns:p16="http://schemas.microsoft.com/office/powerpoint/2015/main" val="1"/>
-              </p:ext>
-            </p:extLst>
-          </p:nvPr>
-        </p:nvSpPr>
-        <p:spPr>
-          <a:xfrm>
             <a:off x="0" y="2019476"/>
-            <a:ext cx="12192000" cy="4838524"/>
+            <a:ext cx="12192000" cy="4105941"/>
           </a:xfrm>
           <a:prstGeom prst="rect">
             <a:avLst/>
@@ -5540,101 +6976,165 @@
           </a:fontRef>
         </p:style>
         <p:txBody>
-          <a:bodyPr rtlCol="0" anchor="ctr"/>
-          <a:lstStyle/>
-          <a:p>
-            <a:pPr lvl="0" algn="ctr"/>
+          <a:bodyPr/>
+          <a:lstStyle/>
+          <a:p>
             <a:endParaRPr lang="en-US"/>
           </a:p>
         </p:txBody>
       </p:sp>
-      <p:sp>
-        <p:nvSpPr>
-          <p:cNvPr id="3" name="Content Placeholder 2">
+      <p:pic>
+        <p:nvPicPr>
+          <p:cNvPr id="11" name="Picture 10">
             <a:extLst>
               <a:ext uri="{FF2B5EF4-FFF2-40B4-BE49-F238E27FC236}">
-                <a16:creationId xmlns:a16="http://schemas.microsoft.com/office/drawing/2014/main" id="{CEE0BF71-4DB0-3A89-14A1-57876CF6E4AC}"/>
+                <a16:creationId xmlns:a16="http://schemas.microsoft.com/office/drawing/2014/main" id="{B591CDC5-6B61-4116-B3B5-0FF42B6E606D}"/>
+              </a:ext>
+              <a:ext uri="{C183D7F6-B498-43B3-948B-1728B52AA6E4}">
+                <adec:decorative xmlns:adec="http://schemas.microsoft.com/office/drawing/2017/decorative" val="1"/>
               </a:ext>
             </a:extLst>
           </p:cNvPr>
-          <p:cNvSpPr>
-            <a:spLocks noGrp="1"/>
-          </p:cNvSpPr>
-          <p:nvPr>
-            <p:ph idx="1"/>
-          </p:nvPr>
-        </p:nvSpPr>
+          <p:cNvPicPr>
+            <a:picLocks noGrp="1" noRot="1" noChangeAspect="1" noMove="1" noResize="1" noEditPoints="1" noAdjustHandles="1" noChangeArrowheads="1" noChangeShapeType="1" noCrop="1"/>
+          </p:cNvPicPr>
+          <p:nvPr>
+            <p:extLst>
+              <p:ext uri="{386F3935-93C4-4BCD-93E2-E3B085C9AB24}">
+                <p16:designElem xmlns:p16="http://schemas.microsoft.com/office/powerpoint/2015/main" val="1"/>
+              </p:ext>
+            </p:extLst>
+          </p:nvPr>
+        </p:nvPicPr>
+        <p:blipFill rotWithShape="1">
+          <a:blip r:embed="rId2">
+            <a:extLst>
+              <a:ext uri="{28A0092B-C50C-407E-A947-70E740481C1C}">
+                <a14:useLocalDpi xmlns:a14="http://schemas.microsoft.com/office/drawing/2010/main" val="0"/>
+              </a:ext>
+            </a:extLst>
+          </a:blip>
+          <a:srcRect t="1538" b="-1538"/>
+          <a:stretch/>
+        </p:blipFill>
+        <p:spPr bwMode="black">
+          <a:xfrm>
+            <a:off x="0" y="6126480"/>
+            <a:ext cx="12192000" cy="742950"/>
+          </a:xfrm>
+          <a:prstGeom prst="rect">
+            <a:avLst/>
+          </a:prstGeom>
+        </p:spPr>
+      </p:pic>
+      <p:cxnSp>
+        <p:nvCxnSpPr>
+          <p:cNvPr id="13" name="Straight Connector 12">
+            <a:extLst>
+              <a:ext uri="{FF2B5EF4-FFF2-40B4-BE49-F238E27FC236}">
+                <a16:creationId xmlns:a16="http://schemas.microsoft.com/office/drawing/2014/main" id="{25B08984-5BEB-422F-A364-2B41E6A516EB}"/>
+              </a:ext>
+              <a:ext uri="{C183D7F6-B498-43B3-948B-1728B52AA6E4}">
+                <adec:decorative xmlns:adec="http://schemas.microsoft.com/office/drawing/2017/decorative" val="1"/>
+              </a:ext>
+            </a:extLst>
+          </p:cNvPr>
+          <p:cNvCxnSpPr>
+            <a:cxnSpLocks noGrp="1" noRot="1" noChangeAspect="1" noMove="1" noResize="1" noEditPoints="1" noAdjustHandles="1" noChangeArrowheads="1" noChangeShapeType="1"/>
+          </p:cNvCxnSpPr>
+          <p:nvPr>
+            <p:extLst>
+              <p:ext uri="{386F3935-93C4-4BCD-93E2-E3B085C9AB24}">
+                <p16:designElem xmlns:p16="http://schemas.microsoft.com/office/powerpoint/2015/main" val="1"/>
+              </p:ext>
+            </p:extLst>
+          </p:nvPr>
+        </p:nvCxnSpPr>
         <p:spPr>
           <a:xfrm>
-            <a:off x="337931" y="1853754"/>
-            <a:ext cx="5438762" cy="4781815"/>
-          </a:xfrm>
-        </p:spPr>
-        <p:txBody>
-          <a:bodyPr>
-            <a:normAutofit/>
-          </a:bodyPr>
-          <a:lstStyle/>
-          <a:p>
-            <a:r>
-              <a:rPr lang="en-US" dirty="0"/>
-              <a:t>Here’s a nested example in code. </a:t>
-            </a:r>
-          </a:p>
-          <a:p>
-            <a:r>
-              <a:rPr lang="en-US" dirty="0"/>
-              <a:t>Each for loop declaration specifies:</a:t>
-            </a:r>
-          </a:p>
-          <a:p>
-            <a:pPr lvl="1"/>
-            <a:r>
-              <a:rPr lang="en-US" dirty="0"/>
-              <a:t>The data structure we’re looping over (after the “in”). </a:t>
-            </a:r>
-          </a:p>
-          <a:p>
-            <a:pPr lvl="1"/>
-            <a:r>
-              <a:rPr lang="en-US" dirty="0"/>
-              <a:t>The name of the specific object we grab each time (before the ”in”). </a:t>
-            </a:r>
-          </a:p>
-          <a:p>
-            <a:r>
-              <a:rPr lang="en-US" dirty="0"/>
-              <a:t>We do the thing in the body. </a:t>
-            </a:r>
-          </a:p>
-          <a:p>
-            <a:r>
-              <a:rPr lang="en-US" dirty="0"/>
-              <a:t>We don’t need to manually update a counter (unless we need it for something else). </a:t>
-            </a:r>
-          </a:p>
-          <a:p>
-            <a:pPr lvl="1"/>
-            <a:r>
-              <a:rPr lang="en-US" dirty="0"/>
-              <a:t>The loop manages progress automatically. </a:t>
-            </a:r>
-          </a:p>
-          <a:p>
-            <a:pPr lvl="1"/>
-            <a:r>
-              <a:rPr lang="en-US" dirty="0"/>
-              <a:t>One less thing that can fail. </a:t>
-            </a:r>
-          </a:p>
-        </p:txBody>
-      </p:sp>
+            <a:off x="0" y="6128413"/>
+            <a:ext cx="12192000" cy="0"/>
+          </a:xfrm>
+          <a:prstGeom prst="line">
+            <a:avLst/>
+          </a:prstGeom>
+          <a:ln w="12700">
+            <a:solidFill>
+              <a:srgbClr val="000001">
+                <a:alpha val="20000"/>
+              </a:srgbClr>
+            </a:solidFill>
+          </a:ln>
+        </p:spPr>
+        <p:style>
+          <a:lnRef idx="1">
+            <a:schemeClr val="accent1"/>
+          </a:lnRef>
+          <a:fillRef idx="0">
+            <a:schemeClr val="accent1"/>
+          </a:fillRef>
+          <a:effectRef idx="0">
+            <a:schemeClr val="accent1"/>
+          </a:effectRef>
+          <a:fontRef idx="minor">
+            <a:schemeClr val="tx1"/>
+          </a:fontRef>
+        </p:style>
+      </p:cxnSp>
+      <p:cxnSp>
+        <p:nvCxnSpPr>
+          <p:cNvPr id="15" name="Straight Connector 14">
+            <a:extLst>
+              <a:ext uri="{FF2B5EF4-FFF2-40B4-BE49-F238E27FC236}">
+                <a16:creationId xmlns:a16="http://schemas.microsoft.com/office/drawing/2014/main" id="{A8F413B1-54E0-4B16-92AB-1CC5C7D645BC}"/>
+              </a:ext>
+              <a:ext uri="{C183D7F6-B498-43B3-948B-1728B52AA6E4}">
+                <adec:decorative xmlns:adec="http://schemas.microsoft.com/office/drawing/2017/decorative" val="1"/>
+              </a:ext>
+            </a:extLst>
+          </p:cNvPr>
+          <p:cNvCxnSpPr>
+            <a:cxnSpLocks noGrp="1" noRot="1" noChangeAspect="1" noMove="1" noResize="1" noEditPoints="1" noAdjustHandles="1" noChangeArrowheads="1" noChangeShapeType="1"/>
+          </p:cNvCxnSpPr>
+          <p:nvPr>
+            <p:extLst>
+              <p:ext uri="{386F3935-93C4-4BCD-93E2-E3B085C9AB24}">
+                <p16:designElem xmlns:p16="http://schemas.microsoft.com/office/powerpoint/2015/main" val="1"/>
+              </p:ext>
+            </p:extLst>
+          </p:nvPr>
+        </p:nvCxnSpPr>
+        <p:spPr>
+          <a:xfrm>
+            <a:off x="1453896" y="1847088"/>
+            <a:ext cx="9607522" cy="0"/>
+          </a:xfrm>
+          <a:prstGeom prst="line">
+            <a:avLst/>
+          </a:prstGeom>
+          <a:ln w="31750"/>
+        </p:spPr>
+        <p:style>
+          <a:lnRef idx="3">
+            <a:schemeClr val="accent1"/>
+          </a:lnRef>
+          <a:fillRef idx="0">
+            <a:schemeClr val="accent1"/>
+          </a:fillRef>
+          <a:effectRef idx="2">
+            <a:schemeClr val="accent1"/>
+          </a:effectRef>
+          <a:fontRef idx="minor">
+            <a:schemeClr val="tx1"/>
+          </a:fontRef>
+        </p:style>
+      </p:cxnSp>
       <p:pic>
         <p:nvPicPr>
-          <p:cNvPr id="4" name="Picture 3">
+          <p:cNvPr id="5" name="Picture 4" descr="An abstract digital swirl">
             <a:extLst>
               <a:ext uri="{FF2B5EF4-FFF2-40B4-BE49-F238E27FC236}">
-                <a16:creationId xmlns:a16="http://schemas.microsoft.com/office/drawing/2014/main" id="{8E944951-564D-1CD8-1BC6-64361FA6BA72}"/>
+                <a16:creationId xmlns:a16="http://schemas.microsoft.com/office/drawing/2014/main" id="{284D9343-907F-6834-FD66-51F7AC08665F}"/>
               </a:ext>
             </a:extLst>
           </p:cNvPr>
@@ -5644,25 +7144,296 @@
           <p:nvPr/>
         </p:nvPicPr>
         <p:blipFill>
-          <a:blip r:embed="rId2"/>
-          <a:stretch>
-            <a:fillRect/>
-          </a:stretch>
+          <a:blip r:embed="rId3"/>
+          <a:srcRect t="25985" r="-1" b="-1"/>
+          <a:stretch/>
         </p:blipFill>
         <p:spPr>
           <a:xfrm>
-            <a:off x="6437150" y="10119"/>
-            <a:ext cx="5764146" cy="6625456"/>
+            <a:off x="20" y="10"/>
+            <a:ext cx="12191675" cy="6857990"/>
           </a:xfrm>
           <a:prstGeom prst="rect">
             <a:avLst/>
           </a:prstGeom>
         </p:spPr>
       </p:pic>
+      <p:sp>
+        <p:nvSpPr>
+          <p:cNvPr id="17" name="Rectangle 16">
+            <a:extLst>
+              <a:ext uri="{FF2B5EF4-FFF2-40B4-BE49-F238E27FC236}">
+                <a16:creationId xmlns:a16="http://schemas.microsoft.com/office/drawing/2014/main" id="{2E67E8BF-E4B2-4098-9FB3-9E400BD86935}"/>
+              </a:ext>
+              <a:ext uri="{C183D7F6-B498-43B3-948B-1728B52AA6E4}">
+                <adec:decorative xmlns:adec="http://schemas.microsoft.com/office/drawing/2017/decorative" val="1"/>
+              </a:ext>
+            </a:extLst>
+          </p:cNvPr>
+          <p:cNvSpPr>
+            <a:spLocks noGrp="1" noRot="1" noChangeAspect="1" noMove="1" noResize="1" noEditPoints="1" noAdjustHandles="1" noChangeArrowheads="1" noChangeShapeType="1" noTextEdit="1"/>
+          </p:cNvSpPr>
+          <p:nvPr>
+            <p:extLst>
+              <p:ext uri="{386F3935-93C4-4BCD-93E2-E3B085C9AB24}">
+                <p16:designElem xmlns:p16="http://schemas.microsoft.com/office/powerpoint/2015/main" val="1"/>
+              </p:ext>
+            </p:extLst>
+          </p:nvPr>
+        </p:nvSpPr>
+        <p:spPr>
+          <a:xfrm>
+            <a:off x="5930686" y="4905349"/>
+            <a:ext cx="5610646" cy="1450464"/>
+          </a:xfrm>
+          <a:prstGeom prst="rect">
+            <a:avLst/>
+          </a:prstGeom>
+          <a:solidFill>
+            <a:srgbClr val="000001">
+              <a:alpha val="75000"/>
+            </a:srgbClr>
+          </a:solidFill>
+          <a:ln>
+            <a:noFill/>
+          </a:ln>
+        </p:spPr>
+        <p:style>
+          <a:lnRef idx="1">
+            <a:schemeClr val="accent1"/>
+          </a:lnRef>
+          <a:fillRef idx="3">
+            <a:schemeClr val="accent1"/>
+          </a:fillRef>
+          <a:effectRef idx="2">
+            <a:schemeClr val="accent1"/>
+          </a:effectRef>
+          <a:fontRef idx="minor">
+            <a:schemeClr val="lt1"/>
+          </a:fontRef>
+        </p:style>
+        <p:txBody>
+          <a:bodyPr rtlCol="0" anchor="ctr"/>
+          <a:lstStyle/>
+          <a:p>
+            <a:pPr algn="ctr"/>
+            <a:endParaRPr lang="en-US"/>
+          </a:p>
+        </p:txBody>
+      </p:sp>
+      <p:sp>
+        <p:nvSpPr>
+          <p:cNvPr id="2" name="Title 1">
+            <a:extLst>
+              <a:ext uri="{FF2B5EF4-FFF2-40B4-BE49-F238E27FC236}">
+                <a16:creationId xmlns:a16="http://schemas.microsoft.com/office/drawing/2014/main" id="{EE14C52B-75EB-682B-F715-8C8085743F65}"/>
+              </a:ext>
+            </a:extLst>
+          </p:cNvPr>
+          <p:cNvSpPr>
+            <a:spLocks noGrp="1"/>
+          </p:cNvSpPr>
+          <p:nvPr>
+            <p:ph type="title"/>
+          </p:nvPr>
+        </p:nvSpPr>
+        <p:spPr>
+          <a:xfrm>
+            <a:off x="6094412" y="5239131"/>
+            <a:ext cx="5279490" cy="960087"/>
+          </a:xfrm>
+        </p:spPr>
+        <p:txBody>
+          <a:bodyPr vert="horz" lIns="91440" tIns="45720" rIns="91440" bIns="45720" rtlCol="0" anchor="t">
+            <a:normAutofit/>
+          </a:bodyPr>
+          <a:lstStyle/>
+          <a:p>
+            <a:r>
+              <a:rPr lang="en-US">
+                <a:solidFill>
+                  <a:srgbClr val="FFFFFE"/>
+                </a:solidFill>
+              </a:rPr>
+              <a:t>Loops</a:t>
+            </a:r>
+          </a:p>
+        </p:txBody>
+      </p:sp>
+      <p:cxnSp>
+        <p:nvCxnSpPr>
+          <p:cNvPr id="19" name="Straight Connector 18">
+            <a:extLst>
+              <a:ext uri="{FF2B5EF4-FFF2-40B4-BE49-F238E27FC236}">
+                <a16:creationId xmlns:a16="http://schemas.microsoft.com/office/drawing/2014/main" id="{3781A10F-5DF6-4C9B-AE0B-5249E4399D26}"/>
+              </a:ext>
+              <a:ext uri="{C183D7F6-B498-43B3-948B-1728B52AA6E4}">
+                <adec:decorative xmlns:adec="http://schemas.microsoft.com/office/drawing/2017/decorative" val="1"/>
+              </a:ext>
+            </a:extLst>
+          </p:cNvPr>
+          <p:cNvCxnSpPr>
+            <a:cxnSpLocks noGrp="1" noRot="1" noChangeAspect="1" noMove="1" noResize="1" noEditPoints="1" noAdjustHandles="1" noChangeArrowheads="1" noChangeShapeType="1"/>
+          </p:cNvCxnSpPr>
+          <p:nvPr>
+            <p:extLst>
+              <p:ext uri="{386F3935-93C4-4BCD-93E2-E3B085C9AB24}">
+                <p16:designElem xmlns:p16="http://schemas.microsoft.com/office/powerpoint/2015/main" val="1"/>
+              </p:ext>
+            </p:extLst>
+          </p:nvPr>
+        </p:nvCxnSpPr>
+        <p:spPr>
+          <a:xfrm>
+            <a:off x="6094411" y="5073596"/>
+            <a:ext cx="5283196" cy="0"/>
+          </a:xfrm>
+          <a:prstGeom prst="line">
+            <a:avLst/>
+          </a:prstGeom>
+          <a:ln w="31750"/>
+        </p:spPr>
+        <p:style>
+          <a:lnRef idx="3">
+            <a:schemeClr val="accent1"/>
+          </a:lnRef>
+          <a:fillRef idx="0">
+            <a:schemeClr val="accent1"/>
+          </a:fillRef>
+          <a:effectRef idx="2">
+            <a:schemeClr val="accent1"/>
+          </a:effectRef>
+          <a:fontRef idx="minor">
+            <a:schemeClr val="tx1"/>
+          </a:fontRef>
+        </p:style>
+      </p:cxnSp>
     </p:spTree>
     <p:extLst>
       <p:ext uri="{BB962C8B-B14F-4D97-AF65-F5344CB8AC3E}">
-        <p14:creationId xmlns:p14="http://schemas.microsoft.com/office/powerpoint/2010/main" val="2642633474"/>
+        <p14:creationId xmlns:p14="http://schemas.microsoft.com/office/powerpoint/2010/main" val="920180273"/>
+      </p:ext>
+    </p:extLst>
+  </p:cSld>
+  <p:clrMapOvr>
+    <a:masterClrMapping/>
+  </p:clrMapOvr>
+</p:sld>
+</file>
+
+<file path=ppt/slides/slide8.xml><?xml version="1.0" encoding="utf-8"?>
+<p:sld xmlns:a="http://schemas.openxmlformats.org/drawingml/2006/main" xmlns:r="http://schemas.openxmlformats.org/officeDocument/2006/relationships" xmlns:p="http://schemas.openxmlformats.org/presentationml/2006/main">
+  <p:cSld>
+    <p:spTree>
+      <p:nvGrpSpPr>
+        <p:cNvPr id="1" name=""/>
+        <p:cNvGrpSpPr/>
+        <p:nvPr/>
+      </p:nvGrpSpPr>
+      <p:grpSpPr>
+        <a:xfrm>
+          <a:off x="0" y="0"/>
+          <a:ext cx="0" cy="0"/>
+          <a:chOff x="0" y="0"/>
+          <a:chExt cx="0" cy="0"/>
+        </a:xfrm>
+      </p:grpSpPr>
+      <p:sp>
+        <p:nvSpPr>
+          <p:cNvPr id="2" name="Title 1">
+            <a:extLst>
+              <a:ext uri="{FF2B5EF4-FFF2-40B4-BE49-F238E27FC236}">
+                <a16:creationId xmlns:a16="http://schemas.microsoft.com/office/drawing/2014/main" id="{2FA292C7-34F5-216C-867E-8CC8BC52D288}"/>
+              </a:ext>
+            </a:extLst>
+          </p:cNvPr>
+          <p:cNvSpPr>
+            <a:spLocks noGrp="1"/>
+          </p:cNvSpPr>
+          <p:nvPr>
+            <p:ph type="title"/>
+          </p:nvPr>
+        </p:nvSpPr>
+        <p:spPr/>
+        <p:txBody>
+          <a:bodyPr/>
+          <a:lstStyle/>
+          <a:p>
+            <a:r>
+              <a:rPr lang="en-US" dirty="0"/>
+              <a:t>Loops are Fun!</a:t>
+            </a:r>
+          </a:p>
+        </p:txBody>
+      </p:sp>
+      <p:sp>
+        <p:nvSpPr>
+          <p:cNvPr id="3" name="Content Placeholder 2">
+            <a:extLst>
+              <a:ext uri="{FF2B5EF4-FFF2-40B4-BE49-F238E27FC236}">
+                <a16:creationId xmlns:a16="http://schemas.microsoft.com/office/drawing/2014/main" id="{57FA5C70-C2F6-AC0B-0C4D-F81CEEED7B7A}"/>
+              </a:ext>
+            </a:extLst>
+          </p:cNvPr>
+          <p:cNvSpPr>
+            <a:spLocks noGrp="1"/>
+          </p:cNvSpPr>
+          <p:nvPr>
+            <p:ph idx="1"/>
+          </p:nvPr>
+        </p:nvSpPr>
+        <p:spPr>
+          <a:xfrm>
+            <a:off x="1451579" y="2015732"/>
+            <a:ext cx="9603275" cy="4037749"/>
+          </a:xfrm>
+        </p:spPr>
+        <p:txBody>
+          <a:bodyPr/>
+          <a:lstStyle/>
+          <a:p>
+            <a:r>
+              <a:rPr lang="en-US" dirty="0"/>
+              <a:t>Loops are another core piece of flow control. </a:t>
+            </a:r>
+          </a:p>
+          <a:p>
+            <a:r>
+              <a:rPr lang="en-US" dirty="0"/>
+              <a:t>Loops repeat some block of code until some condition (Boolean test) is met. </a:t>
+            </a:r>
+          </a:p>
+          <a:p>
+            <a:r>
+              <a:rPr lang="en-US" dirty="0"/>
+              <a:t>Loops allow us to write some action in a block of code, then do that over and over as many times as needed. </a:t>
+            </a:r>
+          </a:p>
+          <a:p>
+            <a:pPr lvl="1"/>
+            <a:r>
+              <a:rPr lang="en-US" dirty="0"/>
+              <a:t>E.g. increase the price of this list of products by 10%</a:t>
+            </a:r>
+          </a:p>
+          <a:p>
+            <a:r>
+              <a:rPr lang="en-US" dirty="0"/>
+              <a:t>Commonly used to do something a preset number of times, or do something to every item in a data structure. </a:t>
+            </a:r>
+          </a:p>
+          <a:p>
+            <a:r>
+              <a:rPr lang="en-US" dirty="0"/>
+              <a:t>Conditional statements branch, loop statements “branch” back to the start of a block. </a:t>
+            </a:r>
+          </a:p>
+        </p:txBody>
+      </p:sp>
+    </p:spTree>
+    <p:extLst>
+      <p:ext uri="{BB962C8B-B14F-4D97-AF65-F5344CB8AC3E}">
+        <p14:creationId xmlns:p14="http://schemas.microsoft.com/office/powerpoint/2010/main" val="4241327480"/>
       </p:ext>
     </p:extLst>
   </p:cSld>
@@ -5694,7 +7465,7 @@
           <p:cNvPr id="2" name="Title 1">
             <a:extLst>
               <a:ext uri="{FF2B5EF4-FFF2-40B4-BE49-F238E27FC236}">
-                <a16:creationId xmlns:a16="http://schemas.microsoft.com/office/drawing/2014/main" id="{4E2BD8DE-3A15-BA17-3B67-6AC6E54614AE}"/>
+                <a16:creationId xmlns:a16="http://schemas.microsoft.com/office/drawing/2014/main" id="{93D8E35F-F317-C5D6-2B0C-6F6F20B54D0E}"/>
               </a:ext>
             </a:extLst>
           </p:cNvPr>
@@ -5710,10 +7481,7 @@
           <a:bodyPr/>
           <a:lstStyle/>
           <a:p>
-            <a:r>
-              <a:rPr lang="en-US" dirty="0"/>
-              <a:t>Loop Control Statements</a:t>
-            </a:r>
+            <a:endParaRPr lang="en-US"/>
           </a:p>
         </p:txBody>
       </p:sp>
@@ -5722,7 +7490,7 @@
           <p:cNvPr id="3" name="Content Placeholder 2">
             <a:extLst>
               <a:ext uri="{FF2B5EF4-FFF2-40B4-BE49-F238E27FC236}">
-                <a16:creationId xmlns:a16="http://schemas.microsoft.com/office/drawing/2014/main" id="{8FA9A670-3DF7-7A3A-846F-FF9DBC42773F}"/>
+                <a16:creationId xmlns:a16="http://schemas.microsoft.com/office/drawing/2014/main" id="{2B3AFC71-119C-0D75-7851-67D56FE27782}"/>
               </a:ext>
             </a:extLst>
           </p:cNvPr>
@@ -5733,67 +7501,66 @@
             <p:ph idx="1"/>
           </p:nvPr>
         </p:nvSpPr>
-        <p:spPr>
-          <a:xfrm>
-            <a:off x="1451579" y="2015732"/>
-            <a:ext cx="9603275" cy="3818538"/>
-          </a:xfrm>
-        </p:spPr>
+        <p:spPr/>
         <p:txBody>
           <a:bodyPr/>
           <a:lstStyle/>
           <a:p>
-            <a:r>
-              <a:rPr lang="en-US" dirty="0"/>
-              <a:t>There are also a handful of loop control statements that are less common. </a:t>
-            </a:r>
-          </a:p>
-          <a:p>
-            <a:pPr lvl="1"/>
-            <a:r>
-              <a:rPr lang="en-US" dirty="0"/>
-              <a:t>Break – stop the loop’s operation. </a:t>
-            </a:r>
-          </a:p>
-          <a:p>
-            <a:pPr lvl="1"/>
-            <a:r>
-              <a:rPr lang="en-US" dirty="0"/>
-              <a:t>Pass – do nothing and go to the next iteration. Often seen with unimplemented features. </a:t>
-            </a:r>
-          </a:p>
-          <a:p>
-            <a:pPr lvl="1"/>
-            <a:r>
-              <a:rPr lang="en-US" dirty="0"/>
-              <a:t>Continue – skip the current iteration and continue looping. </a:t>
-            </a:r>
-          </a:p>
-          <a:p>
-            <a:r>
-              <a:rPr lang="en-US" dirty="0"/>
-              <a:t>These statements are less common but can be very useful on occasion. </a:t>
-            </a:r>
-          </a:p>
-          <a:p>
-            <a:pPr lvl="1"/>
-            <a:r>
-              <a:rPr lang="en-US" dirty="0"/>
-              <a:t>Can provide one-off differences from the normal condition of the loop. </a:t>
-            </a:r>
-          </a:p>
-          <a:p>
-            <a:r>
-              <a:rPr lang="en-US" dirty="0"/>
-              <a:t>“If some special case, then override the loop condition”. </a:t>
-            </a:r>
-          </a:p>
-        </p:txBody>
-      </p:sp>
+            <a:endParaRPr lang="en-US"/>
+          </a:p>
+        </p:txBody>
+      </p:sp>
+      <p:pic>
+        <p:nvPicPr>
+          <p:cNvPr id="1026" name="Picture 2" descr="Loops In Python and It's Examples | Blogs | Fireblaze AI School">
+            <a:extLst>
+              <a:ext uri="{FF2B5EF4-FFF2-40B4-BE49-F238E27FC236}">
+                <a16:creationId xmlns:a16="http://schemas.microsoft.com/office/drawing/2014/main" id="{9E85F93A-20D9-AE99-E7E4-B131118D9F6B}"/>
+              </a:ext>
+            </a:extLst>
+          </p:cNvPr>
+          <p:cNvPicPr>
+            <a:picLocks noChangeAspect="1" noChangeArrowheads="1"/>
+          </p:cNvPicPr>
+          <p:nvPr/>
+        </p:nvPicPr>
+        <p:blipFill>
+          <a:blip r:embed="rId2">
+            <a:extLst>
+              <a:ext uri="{28A0092B-C50C-407E-A947-70E740481C1C}">
+                <a14:useLocalDpi xmlns:a14="http://schemas.microsoft.com/office/drawing/2010/main" val="0"/>
+              </a:ext>
+            </a:extLst>
+          </a:blip>
+          <a:srcRect/>
+          <a:stretch>
+            <a:fillRect/>
+          </a:stretch>
+        </p:blipFill>
+        <p:spPr bwMode="auto">
+          <a:xfrm>
+            <a:off x="0" y="0"/>
+            <a:ext cx="12192000" cy="6858000"/>
+          </a:xfrm>
+          <a:prstGeom prst="rect">
+            <a:avLst/>
+          </a:prstGeom>
+          <a:noFill/>
+          <a:extLst>
+            <a:ext uri="{909E8E84-426E-40DD-AFC4-6F175D3DCCD1}">
+              <a14:hiddenFill xmlns:a14="http://schemas.microsoft.com/office/drawing/2010/main">
+                <a:solidFill>
+                  <a:srgbClr val="FFFFFF"/>
+                </a:solidFill>
+              </a14:hiddenFill>
+            </a:ext>
+          </a:extLst>
+        </p:spPr>
+      </p:pic>
     </p:spTree>
     <p:extLst>
       <p:ext uri="{BB962C8B-B14F-4D97-AF65-F5344CB8AC3E}">
-        <p14:creationId xmlns:p14="http://schemas.microsoft.com/office/powerpoint/2010/main" val="508724627"/>
+        <p14:creationId xmlns:p14="http://schemas.microsoft.com/office/powerpoint/2010/main" val="522402136"/>
       </p:ext>
     </p:extLst>
   </p:cSld>
